--- a/basic_workshop_TD/Workshop_presentation.pptx
+++ b/basic_workshop_TD/Workshop_presentation.pptx
@@ -6,11 +6,15 @@
   </p:sldMasterIdLst>
   <p:sldIdLst>
     <p:sldId id="256" r:id="rId2"/>
-    <p:sldId id="257" r:id="rId3"/>
-    <p:sldId id="259" r:id="rId4"/>
-    <p:sldId id="261" r:id="rId5"/>
-    <p:sldId id="258" r:id="rId6"/>
-    <p:sldId id="260" r:id="rId7"/>
+    <p:sldId id="265" r:id="rId3"/>
+    <p:sldId id="263" r:id="rId4"/>
+    <p:sldId id="262" r:id="rId5"/>
+    <p:sldId id="257" r:id="rId6"/>
+    <p:sldId id="259" r:id="rId7"/>
+    <p:sldId id="264" r:id="rId8"/>
+    <p:sldId id="258" r:id="rId9"/>
+    <p:sldId id="261" r:id="rId10"/>
+    <p:sldId id="260" r:id="rId11"/>
   </p:sldIdLst>
   <p:sldSz cx="12192000" cy="6858000"/>
   <p:notesSz cx="6858000" cy="9144000"/>
@@ -16639,7 +16643,1458 @@
 </p:sld>
 </file>
 
+<file path=ppt/slides/slide10.xml><?xml version="1.0" encoding="utf-8"?>
+<p:sld xmlns:a="http://schemas.openxmlformats.org/drawingml/2006/main" xmlns:r="http://schemas.openxmlformats.org/officeDocument/2006/relationships" xmlns:p="http://schemas.openxmlformats.org/presentationml/2006/main">
+  <p:cSld>
+    <p:spTree>
+      <p:nvGrpSpPr>
+        <p:cNvPr id="1" name=""/>
+        <p:cNvGrpSpPr/>
+        <p:nvPr/>
+      </p:nvGrpSpPr>
+      <p:grpSpPr>
+        <a:xfrm>
+          <a:off x="0" y="0"/>
+          <a:ext cx="0" cy="0"/>
+          <a:chOff x="0" y="0"/>
+          <a:chExt cx="0" cy="0"/>
+        </a:xfrm>
+      </p:grpSpPr>
+      <p:sp>
+        <p:nvSpPr>
+          <p:cNvPr id="2" name="Title 1">
+            <a:extLst>
+              <a:ext uri="{FF2B5EF4-FFF2-40B4-BE49-F238E27FC236}">
+                <a16:creationId xmlns:a16="http://schemas.microsoft.com/office/drawing/2014/main" id="{967A677A-695F-CDF9-5D4D-1351E91996AF}"/>
+              </a:ext>
+            </a:extLst>
+          </p:cNvPr>
+          <p:cNvSpPr>
+            <a:spLocks noGrp="1"/>
+          </p:cNvSpPr>
+          <p:nvPr>
+            <p:ph type="title"/>
+          </p:nvPr>
+        </p:nvSpPr>
+        <p:spPr/>
+        <p:txBody>
+          <a:bodyPr/>
+          <a:lstStyle/>
+          <a:p>
+            <a:r>
+              <a:rPr lang="en-GB" dirty="0"/>
+              <a:t>Interesting Artist/tutorials</a:t>
+            </a:r>
+          </a:p>
+        </p:txBody>
+      </p:sp>
+      <p:graphicFrame>
+        <p:nvGraphicFramePr>
+          <p:cNvPr id="4" name="Content Placeholder 3">
+            <a:extLst>
+              <a:ext uri="{FF2B5EF4-FFF2-40B4-BE49-F238E27FC236}">
+                <a16:creationId xmlns:a16="http://schemas.microsoft.com/office/drawing/2014/main" id="{2DBB95A8-F267-FFAE-C633-55B65A84EF5C}"/>
+              </a:ext>
+            </a:extLst>
+          </p:cNvPr>
+          <p:cNvGraphicFramePr>
+            <a:graphicFrameLocks noGrp="1"/>
+          </p:cNvGraphicFramePr>
+          <p:nvPr>
+            <p:ph idx="1"/>
+            <p:extLst>
+              <p:ext uri="{D42A27DB-BD31-4B8C-83A1-F6EECF244321}">
+                <p14:modId xmlns:p14="http://schemas.microsoft.com/office/powerpoint/2010/main" val="3786216147"/>
+              </p:ext>
+            </p:extLst>
+          </p:nvPr>
+        </p:nvGraphicFramePr>
+        <p:xfrm>
+          <a:off x="1154954" y="2603500"/>
+          <a:ext cx="8825659" cy="3416300"/>
+        </p:xfrm>
+        <a:graphic>
+          <a:graphicData uri="http://schemas.openxmlformats.org/drawingml/2006/diagram">
+            <dgm:relIds xmlns:dgm="http://schemas.openxmlformats.org/drawingml/2006/diagram" xmlns:r="http://schemas.openxmlformats.org/officeDocument/2006/relationships" r:dm="rId2" r:lo="rId3" r:qs="rId4" r:cs="rId5"/>
+          </a:graphicData>
+        </a:graphic>
+      </p:graphicFrame>
+      <p:pic>
+        <p:nvPicPr>
+          <p:cNvPr id="8" name="Picture 7" descr="A qr code on a white background&#10;&#10;Description automatically generated">
+            <a:extLst>
+              <a:ext uri="{FF2B5EF4-FFF2-40B4-BE49-F238E27FC236}">
+                <a16:creationId xmlns:a16="http://schemas.microsoft.com/office/drawing/2014/main" id="{960A7ABB-48D3-A828-2F04-DD9DA71BD133}"/>
+              </a:ext>
+            </a:extLst>
+          </p:cNvPr>
+          <p:cNvPicPr>
+            <a:picLocks noChangeAspect="1"/>
+          </p:cNvPicPr>
+          <p:nvPr/>
+        </p:nvPicPr>
+        <p:blipFill>
+          <a:blip r:embed="rId7"/>
+          <a:stretch>
+            <a:fillRect/>
+          </a:stretch>
+        </p:blipFill>
+        <p:spPr>
+          <a:xfrm>
+            <a:off x="1705396" y="2572504"/>
+            <a:ext cx="949989" cy="949989"/>
+          </a:xfrm>
+          <a:prstGeom prst="rect">
+            <a:avLst/>
+          </a:prstGeom>
+        </p:spPr>
+      </p:pic>
+      <p:pic>
+        <p:nvPicPr>
+          <p:cNvPr id="10" name="Picture 9" descr="A qr code on a white background&#10;&#10;Description automatically generated">
+            <a:extLst>
+              <a:ext uri="{FF2B5EF4-FFF2-40B4-BE49-F238E27FC236}">
+                <a16:creationId xmlns:a16="http://schemas.microsoft.com/office/drawing/2014/main" id="{0F7E4684-3408-A1B2-E08C-C629A1EAC688}"/>
+              </a:ext>
+            </a:extLst>
+          </p:cNvPr>
+          <p:cNvPicPr>
+            <a:picLocks noChangeAspect="1"/>
+          </p:cNvPicPr>
+          <p:nvPr/>
+        </p:nvPicPr>
+        <p:blipFill>
+          <a:blip r:embed="rId8"/>
+          <a:stretch>
+            <a:fillRect/>
+          </a:stretch>
+        </p:blipFill>
+        <p:spPr>
+          <a:xfrm>
+            <a:off x="4400012" y="2566836"/>
+            <a:ext cx="949989" cy="949989"/>
+          </a:xfrm>
+          <a:prstGeom prst="rect">
+            <a:avLst/>
+          </a:prstGeom>
+        </p:spPr>
+      </p:pic>
+      <p:pic>
+        <p:nvPicPr>
+          <p:cNvPr id="12" name="Picture 11" descr="A qr code on a white background&#10;&#10;Description automatically generated">
+            <a:extLst>
+              <a:ext uri="{FF2B5EF4-FFF2-40B4-BE49-F238E27FC236}">
+                <a16:creationId xmlns:a16="http://schemas.microsoft.com/office/drawing/2014/main" id="{0CF5E293-185E-48AF-2D9E-2600E18276AB}"/>
+              </a:ext>
+            </a:extLst>
+          </p:cNvPr>
+          <p:cNvPicPr>
+            <a:picLocks noChangeAspect="1"/>
+          </p:cNvPicPr>
+          <p:nvPr/>
+        </p:nvPicPr>
+        <p:blipFill>
+          <a:blip r:embed="rId9"/>
+          <a:stretch>
+            <a:fillRect/>
+          </a:stretch>
+        </p:blipFill>
+        <p:spPr>
+          <a:xfrm>
+            <a:off x="7094628" y="2566836"/>
+            <a:ext cx="950400" cy="950400"/>
+          </a:xfrm>
+          <a:prstGeom prst="rect">
+            <a:avLst/>
+          </a:prstGeom>
+        </p:spPr>
+      </p:pic>
+      <p:pic>
+        <p:nvPicPr>
+          <p:cNvPr id="14" name="Picture 13" descr="A qr code on a white background&#10;&#10;Description automatically generated">
+            <a:extLst>
+              <a:ext uri="{FF2B5EF4-FFF2-40B4-BE49-F238E27FC236}">
+                <a16:creationId xmlns:a16="http://schemas.microsoft.com/office/drawing/2014/main" id="{60FB398E-EF54-AE06-5664-AEB78C588832}"/>
+              </a:ext>
+            </a:extLst>
+          </p:cNvPr>
+          <p:cNvPicPr>
+            <a:picLocks noChangeAspect="1"/>
+          </p:cNvPicPr>
+          <p:nvPr/>
+        </p:nvPicPr>
+        <p:blipFill>
+          <a:blip r:embed="rId10"/>
+          <a:stretch>
+            <a:fillRect/>
+          </a:stretch>
+        </p:blipFill>
+        <p:spPr>
+          <a:xfrm>
+            <a:off x="3036161" y="4166246"/>
+            <a:ext cx="950400" cy="950400"/>
+          </a:xfrm>
+          <a:prstGeom prst="rect">
+            <a:avLst/>
+          </a:prstGeom>
+        </p:spPr>
+      </p:pic>
+      <p:pic>
+        <p:nvPicPr>
+          <p:cNvPr id="16" name="Picture 15" descr="A qr code with a black and white background&#10;&#10;Description automatically generated">
+            <a:extLst>
+              <a:ext uri="{FF2B5EF4-FFF2-40B4-BE49-F238E27FC236}">
+                <a16:creationId xmlns:a16="http://schemas.microsoft.com/office/drawing/2014/main" id="{FAA9F544-9B8E-5F8C-B529-2C31E0098BEE}"/>
+              </a:ext>
+            </a:extLst>
+          </p:cNvPr>
+          <p:cNvPicPr>
+            <a:picLocks noChangeAspect="1"/>
+          </p:cNvPicPr>
+          <p:nvPr/>
+        </p:nvPicPr>
+        <p:blipFill>
+          <a:blip r:embed="rId11"/>
+          <a:stretch>
+            <a:fillRect/>
+          </a:stretch>
+        </p:blipFill>
+        <p:spPr>
+          <a:xfrm>
+            <a:off x="5736693" y="4280654"/>
+            <a:ext cx="950400" cy="950400"/>
+          </a:xfrm>
+          <a:prstGeom prst="rect">
+            <a:avLst/>
+          </a:prstGeom>
+        </p:spPr>
+      </p:pic>
+    </p:spTree>
+    <p:extLst>
+      <p:ext uri="{BB962C8B-B14F-4D97-AF65-F5344CB8AC3E}">
+        <p14:creationId xmlns:p14="http://schemas.microsoft.com/office/powerpoint/2010/main" val="3504673582"/>
+      </p:ext>
+    </p:extLst>
+  </p:cSld>
+  <p:clrMapOvr>
+    <a:masterClrMapping/>
+  </p:clrMapOvr>
+</p:sld>
+</file>
+
 <file path=ppt/slides/slide2.xml><?xml version="1.0" encoding="utf-8"?>
+<p:sld xmlns:a="http://schemas.openxmlformats.org/drawingml/2006/main" xmlns:r="http://schemas.openxmlformats.org/officeDocument/2006/relationships" xmlns:p="http://schemas.openxmlformats.org/presentationml/2006/main">
+  <p:cSld>
+    <p:spTree>
+      <p:nvGrpSpPr>
+        <p:cNvPr id="1" name=""/>
+        <p:cNvGrpSpPr/>
+        <p:nvPr/>
+      </p:nvGrpSpPr>
+      <p:grpSpPr>
+        <a:xfrm>
+          <a:off x="0" y="0"/>
+          <a:ext cx="0" cy="0"/>
+          <a:chOff x="0" y="0"/>
+          <a:chExt cx="0" cy="0"/>
+        </a:xfrm>
+      </p:grpSpPr>
+      <p:sp>
+        <p:nvSpPr>
+          <p:cNvPr id="3" name="Content Placeholder 2">
+            <a:extLst>
+              <a:ext uri="{FF2B5EF4-FFF2-40B4-BE49-F238E27FC236}">
+                <a16:creationId xmlns:a16="http://schemas.microsoft.com/office/drawing/2014/main" id="{5D771DC3-6EAB-8BD5-AC6E-9DF45C4C8E7F}"/>
+              </a:ext>
+            </a:extLst>
+          </p:cNvPr>
+          <p:cNvSpPr>
+            <a:spLocks noGrp="1"/>
+          </p:cNvSpPr>
+          <p:nvPr>
+            <p:ph idx="4294967295"/>
+          </p:nvPr>
+        </p:nvSpPr>
+        <p:spPr>
+          <a:xfrm>
+            <a:off x="1100380" y="2107555"/>
+            <a:ext cx="8824913" cy="3416300"/>
+          </a:xfrm>
+        </p:spPr>
+        <p:txBody>
+          <a:bodyPr/>
+          <a:lstStyle/>
+          <a:p>
+            <a:pPr marL="0" indent="0">
+              <a:buNone/>
+            </a:pPr>
+            <a:r>
+              <a:rPr lang="en-GB" sz="6600" dirty="0">
+                <a:latin typeface="Bauhaus 93"/>
+              </a:rPr>
+              <a:t>Hi my name </a:t>
+            </a:r>
+          </a:p>
+          <a:p>
+            <a:pPr marL="0" indent="0">
+              <a:buNone/>
+            </a:pPr>
+            <a:r>
+              <a:rPr lang="en-GB" sz="6600" dirty="0">
+                <a:latin typeface="Bauhaus 93"/>
+              </a:rPr>
+              <a:t>is Raul Leal</a:t>
+            </a:r>
+            <a:endParaRPr lang="en-GB" dirty="0">
+              <a:latin typeface="Bauhaus 93"/>
+            </a:endParaRPr>
+          </a:p>
+        </p:txBody>
+      </p:sp>
+    </p:spTree>
+    <p:extLst>
+      <p:ext uri="{BB962C8B-B14F-4D97-AF65-F5344CB8AC3E}">
+        <p14:creationId xmlns:p14="http://schemas.microsoft.com/office/powerpoint/2010/main" val="1970454230"/>
+      </p:ext>
+    </p:extLst>
+  </p:cSld>
+  <p:clrMapOvr>
+    <a:masterClrMapping/>
+  </p:clrMapOvr>
+</p:sld>
+</file>
+
+<file path=ppt/slides/slide3.xml><?xml version="1.0" encoding="utf-8"?>
+<p:sld xmlns:a="http://schemas.openxmlformats.org/drawingml/2006/main" xmlns:r="http://schemas.openxmlformats.org/officeDocument/2006/relationships" xmlns:p="http://schemas.openxmlformats.org/presentationml/2006/main">
+  <p:cSld>
+    <p:bg>
+      <p:bgPr>
+        <a:solidFill>
+          <a:schemeClr val="bg1"/>
+        </a:solidFill>
+        <a:effectLst/>
+      </p:bgPr>
+    </p:bg>
+    <p:spTree>
+      <p:nvGrpSpPr>
+        <p:cNvPr id="1" name=""/>
+        <p:cNvGrpSpPr/>
+        <p:nvPr/>
+      </p:nvGrpSpPr>
+      <p:grpSpPr>
+        <a:xfrm>
+          <a:off x="0" y="0"/>
+          <a:ext cx="0" cy="0"/>
+          <a:chOff x="0" y="0"/>
+          <a:chExt cx="0" cy="0"/>
+        </a:xfrm>
+      </p:grpSpPr>
+      <p:sp>
+        <p:nvSpPr>
+          <p:cNvPr id="12" name="Rectangle 11">
+            <a:extLst>
+              <a:ext uri="{FF2B5EF4-FFF2-40B4-BE49-F238E27FC236}">
+                <a16:creationId xmlns:a16="http://schemas.microsoft.com/office/drawing/2014/main" id="{0D28FA21-C404-4805-A601-DBEE83A8EA50}"/>
+              </a:ext>
+              <a:ext uri="{C183D7F6-B498-43B3-948B-1728B52AA6E4}">
+                <adec:decorative xmlns:adec="http://schemas.microsoft.com/office/drawing/2017/decorative" val="1"/>
+              </a:ext>
+            </a:extLst>
+          </p:cNvPr>
+          <p:cNvSpPr>
+            <a:spLocks noGrp="1" noRot="1" noChangeAspect="1" noMove="1" noResize="1" noEditPoints="1" noAdjustHandles="1" noChangeArrowheads="1" noChangeShapeType="1" noTextEdit="1"/>
+          </p:cNvSpPr>
+          <p:nvPr>
+            <p:extLst>
+              <p:ext uri="{386F3935-93C4-4BCD-93E2-E3B085C9AB24}">
+                <p16:designElem xmlns:p16="http://schemas.microsoft.com/office/powerpoint/2015/main" val="1"/>
+              </p:ext>
+            </p:extLst>
+          </p:nvPr>
+        </p:nvSpPr>
+        <p:spPr>
+          <a:xfrm>
+            <a:off x="0" y="0"/>
+            <a:ext cx="12192000" cy="6858000"/>
+          </a:xfrm>
+          <a:prstGeom prst="rect">
+            <a:avLst/>
+          </a:prstGeom>
+          <a:blipFill>
+            <a:blip r:embed="rId2">
+              <a:duotone>
+                <a:schemeClr val="dk2">
+                  <a:shade val="69000"/>
+                  <a:hueMod val="108000"/>
+                  <a:satMod val="164000"/>
+                  <a:lumMod val="74000"/>
+                </a:schemeClr>
+                <a:schemeClr val="dk2">
+                  <a:tint val="96000"/>
+                  <a:hueMod val="88000"/>
+                  <a:satMod val="140000"/>
+                  <a:lumMod val="132000"/>
+                </a:schemeClr>
+              </a:duotone>
+            </a:blip>
+            <a:stretch>
+              <a:fillRect/>
+            </a:stretch>
+          </a:blipFill>
+          <a:ln>
+            <a:noFill/>
+          </a:ln>
+        </p:spPr>
+        <p:style>
+          <a:lnRef idx="2">
+            <a:schemeClr val="accent1">
+              <a:shade val="50000"/>
+            </a:schemeClr>
+          </a:lnRef>
+          <a:fillRef idx="1">
+            <a:schemeClr val="accent1"/>
+          </a:fillRef>
+          <a:effectRef idx="0">
+            <a:schemeClr val="accent1"/>
+          </a:effectRef>
+          <a:fontRef idx="minor">
+            <a:schemeClr val="lt1"/>
+          </a:fontRef>
+        </p:style>
+      </p:sp>
+      <p:grpSp>
+        <p:nvGrpSpPr>
+          <p:cNvPr id="14" name="Group 13">
+            <a:extLst>
+              <a:ext uri="{FF2B5EF4-FFF2-40B4-BE49-F238E27FC236}">
+                <a16:creationId xmlns:a16="http://schemas.microsoft.com/office/drawing/2014/main" id="{015F2101-E757-4DE5-9263-90EE04B605B3}"/>
+              </a:ext>
+              <a:ext uri="{C183D7F6-B498-43B3-948B-1728B52AA6E4}">
+                <adec:decorative xmlns:adec="http://schemas.microsoft.com/office/drawing/2017/decorative" val="1"/>
+              </a:ext>
+            </a:extLst>
+          </p:cNvPr>
+          <p:cNvGrpSpPr>
+            <a:grpSpLocks noGrp="1" noUngrp="1" noRot="1" noChangeAspect="1" noMove="1" noResize="1"/>
+          </p:cNvGrpSpPr>
+          <p:nvPr>
+            <p:extLst>
+              <p:ext uri="{386F3935-93C4-4BCD-93E2-E3B085C9AB24}">
+                <p16:designElem xmlns:p16="http://schemas.microsoft.com/office/powerpoint/2015/main" val="1"/>
+              </p:ext>
+            </p:extLst>
+          </p:nvPr>
+        </p:nvGrpSpPr>
+        <p:grpSpPr>
+          <a:xfrm>
+            <a:off x="0" y="1587"/>
+            <a:ext cx="12192000" cy="6856413"/>
+            <a:chOff x="0" y="1587"/>
+            <a:chExt cx="12192000" cy="6856413"/>
+          </a:xfrm>
+        </p:grpSpPr>
+        <p:sp>
+          <p:nvSpPr>
+            <p:cNvPr id="15" name="Oval 14">
+              <a:extLst>
+                <a:ext uri="{FF2B5EF4-FFF2-40B4-BE49-F238E27FC236}">
+                  <a16:creationId xmlns:a16="http://schemas.microsoft.com/office/drawing/2014/main" id="{850A1386-DC56-4C80-AB79-3D3ADE25B2D3}"/>
+                </a:ext>
+                <a:ext uri="{C183D7F6-B498-43B3-948B-1728B52AA6E4}">
+                  <adec:decorative xmlns:adec="http://schemas.microsoft.com/office/drawing/2017/decorative" val="1"/>
+                </a:ext>
+              </a:extLst>
+            </p:cNvPr>
+            <p:cNvSpPr/>
+            <p:nvPr>
+              <p:extLst>
+                <p:ext uri="{386F3935-93C4-4BCD-93E2-E3B085C9AB24}">
+                  <p16:designElem xmlns:p16="http://schemas.microsoft.com/office/powerpoint/2015/main" val="1"/>
+                </p:ext>
+              </p:extLst>
+            </p:nvPr>
+          </p:nvSpPr>
+          <p:spPr>
+            <a:xfrm>
+              <a:off x="0" y="2667000"/>
+              <a:ext cx="4191000" cy="4191000"/>
+            </a:xfrm>
+            <a:prstGeom prst="ellipse">
+              <a:avLst/>
+            </a:prstGeom>
+            <a:gradFill flip="none" rotWithShape="1">
+              <a:gsLst>
+                <a:gs pos="0">
+                  <a:schemeClr val="accent5">
+                    <a:alpha val="11000"/>
+                  </a:schemeClr>
+                </a:gs>
+                <a:gs pos="75000">
+                  <a:schemeClr val="accent5">
+                    <a:alpha val="0"/>
+                  </a:schemeClr>
+                </a:gs>
+                <a:gs pos="36000">
+                  <a:schemeClr val="accent5">
+                    <a:alpha val="10000"/>
+                  </a:schemeClr>
+                </a:gs>
+              </a:gsLst>
+              <a:path path="circle">
+                <a:fillToRect l="50000" t="50000" r="50000" b="50000"/>
+              </a:path>
+              <a:tileRect/>
+            </a:gradFill>
+            <a:ln>
+              <a:noFill/>
+            </a:ln>
+            <a:effectLst/>
+          </p:spPr>
+          <p:style>
+            <a:lnRef idx="1">
+              <a:schemeClr val="accent1"/>
+            </a:lnRef>
+            <a:fillRef idx="3">
+              <a:schemeClr val="accent1"/>
+            </a:fillRef>
+            <a:effectRef idx="2">
+              <a:schemeClr val="accent1"/>
+            </a:effectRef>
+            <a:fontRef idx="minor">
+              <a:schemeClr val="lt1"/>
+            </a:fontRef>
+          </p:style>
+        </p:sp>
+        <p:sp>
+          <p:nvSpPr>
+            <p:cNvPr id="16" name="Oval 15">
+              <a:extLst>
+                <a:ext uri="{FF2B5EF4-FFF2-40B4-BE49-F238E27FC236}">
+                  <a16:creationId xmlns:a16="http://schemas.microsoft.com/office/drawing/2014/main" id="{6C308946-BA4F-4BBB-A621-5812B6AA1862}"/>
+                </a:ext>
+                <a:ext uri="{C183D7F6-B498-43B3-948B-1728B52AA6E4}">
+                  <adec:decorative xmlns:adec="http://schemas.microsoft.com/office/drawing/2017/decorative" val="1"/>
+                </a:ext>
+              </a:extLst>
+            </p:cNvPr>
+            <p:cNvSpPr/>
+            <p:nvPr>
+              <p:extLst>
+                <p:ext uri="{386F3935-93C4-4BCD-93E2-E3B085C9AB24}">
+                  <p16:designElem xmlns:p16="http://schemas.microsoft.com/office/powerpoint/2015/main" val="1"/>
+                </p:ext>
+              </p:extLst>
+            </p:nvPr>
+          </p:nvSpPr>
+          <p:spPr>
+            <a:xfrm>
+              <a:off x="0" y="2895600"/>
+              <a:ext cx="2362200" cy="2362200"/>
+            </a:xfrm>
+            <a:prstGeom prst="ellipse">
+              <a:avLst/>
+            </a:prstGeom>
+            <a:gradFill flip="none" rotWithShape="1">
+              <a:gsLst>
+                <a:gs pos="0">
+                  <a:schemeClr val="accent5">
+                    <a:alpha val="8000"/>
+                  </a:schemeClr>
+                </a:gs>
+                <a:gs pos="72000">
+                  <a:schemeClr val="accent5">
+                    <a:alpha val="0"/>
+                  </a:schemeClr>
+                </a:gs>
+                <a:gs pos="36000">
+                  <a:schemeClr val="accent5">
+                    <a:alpha val="8000"/>
+                  </a:schemeClr>
+                </a:gs>
+              </a:gsLst>
+              <a:path path="circle">
+                <a:fillToRect l="50000" t="50000" r="50000" b="50000"/>
+              </a:path>
+              <a:tileRect/>
+            </a:gradFill>
+            <a:ln>
+              <a:noFill/>
+            </a:ln>
+            <a:effectLst/>
+          </p:spPr>
+          <p:style>
+            <a:lnRef idx="1">
+              <a:schemeClr val="accent1"/>
+            </a:lnRef>
+            <a:fillRef idx="3">
+              <a:schemeClr val="accent1"/>
+            </a:fillRef>
+            <a:effectRef idx="2">
+              <a:schemeClr val="accent1"/>
+            </a:effectRef>
+            <a:fontRef idx="minor">
+              <a:schemeClr val="lt1"/>
+            </a:fontRef>
+          </p:style>
+        </p:sp>
+        <p:sp>
+          <p:nvSpPr>
+            <p:cNvPr id="17" name="Rectangle 16">
+              <a:extLst>
+                <a:ext uri="{FF2B5EF4-FFF2-40B4-BE49-F238E27FC236}">
+                  <a16:creationId xmlns:a16="http://schemas.microsoft.com/office/drawing/2014/main" id="{94B46CAB-9D3E-48A9-BACE-418A29D04DEF}"/>
+                </a:ext>
+                <a:ext uri="{C183D7F6-B498-43B3-948B-1728B52AA6E4}">
+                  <adec:decorative xmlns:adec="http://schemas.microsoft.com/office/drawing/2017/decorative" val="1"/>
+                </a:ext>
+              </a:extLst>
+            </p:cNvPr>
+            <p:cNvSpPr/>
+            <p:nvPr>
+              <p:extLst>
+                <p:ext uri="{386F3935-93C4-4BCD-93E2-E3B085C9AB24}">
+                  <p16:designElem xmlns:p16="http://schemas.microsoft.com/office/powerpoint/2015/main" val="1"/>
+                </p:ext>
+              </p:extLst>
+            </p:nvPr>
+          </p:nvSpPr>
+          <p:spPr bwMode="gray">
+            <a:xfrm>
+              <a:off x="5713412" y="402165"/>
+              <a:ext cx="6055253" cy="6053670"/>
+            </a:xfrm>
+            <a:prstGeom prst="rect">
+              <a:avLst/>
+            </a:prstGeom>
+            <a:solidFill>
+              <a:schemeClr val="bg1"/>
+            </a:solidFill>
+            <a:ln>
+              <a:noFill/>
+            </a:ln>
+            <a:effectLst/>
+          </p:spPr>
+          <p:style>
+            <a:lnRef idx="1">
+              <a:schemeClr val="accent1"/>
+            </a:lnRef>
+            <a:fillRef idx="3">
+              <a:schemeClr val="accent1"/>
+            </a:fillRef>
+            <a:effectRef idx="2">
+              <a:schemeClr val="accent1"/>
+            </a:effectRef>
+            <a:fontRef idx="minor">
+              <a:schemeClr val="lt1"/>
+            </a:fontRef>
+          </p:style>
+        </p:sp>
+        <p:sp>
+          <p:nvSpPr>
+            <p:cNvPr id="18" name="Freeform 5">
+              <a:extLst>
+                <a:ext uri="{FF2B5EF4-FFF2-40B4-BE49-F238E27FC236}">
+                  <a16:creationId xmlns:a16="http://schemas.microsoft.com/office/drawing/2014/main" id="{C9F0A8FE-8826-415D-A57D-37F8FF30EF33}"/>
+                </a:ext>
+                <a:ext uri="{C183D7F6-B498-43B3-948B-1728B52AA6E4}">
+                  <adec:decorative xmlns:adec="http://schemas.microsoft.com/office/drawing/2017/decorative" val="1"/>
+                </a:ext>
+              </a:extLst>
+            </p:cNvPr>
+            <p:cNvSpPr/>
+            <p:nvPr>
+              <p:extLst>
+                <p:ext uri="{386F3935-93C4-4BCD-93E2-E3B085C9AB24}">
+                  <p16:designElem xmlns:p16="http://schemas.microsoft.com/office/powerpoint/2015/main" val="1"/>
+                </p:ext>
+              </p:extLst>
+            </p:nvPr>
+          </p:nvSpPr>
+          <p:spPr bwMode="gray">
+            <a:xfrm rot="15922489">
+              <a:off x="3140485" y="1826078"/>
+              <a:ext cx="3299407" cy="440924"/>
+            </a:xfrm>
+            <a:custGeom>
+              <a:avLst/>
+              <a:gdLst/>
+              <a:ahLst/>
+              <a:cxnLst/>
+              <a:rect l="l" t="t" r="r" b="b"/>
+              <a:pathLst>
+                <a:path w="10000" h="5291">
+                  <a:moveTo>
+                    <a:pt x="85" y="2532"/>
+                  </a:moveTo>
+                  <a:cubicBezTo>
+                    <a:pt x="1736" y="3911"/>
+                    <a:pt x="7524" y="5298"/>
+                    <a:pt x="9958" y="5291"/>
+                  </a:cubicBezTo>
+                  <a:cubicBezTo>
+                    <a:pt x="9989" y="1958"/>
+                    <a:pt x="9969" y="3333"/>
+                    <a:pt x="10000" y="0"/>
+                  </a:cubicBezTo>
+                  <a:lnTo>
+                    <a:pt x="10000" y="0"/>
+                  </a:lnTo>
+                  <a:lnTo>
+                    <a:pt x="9667" y="204"/>
+                  </a:lnTo>
+                  <a:lnTo>
+                    <a:pt x="9334" y="400"/>
+                  </a:lnTo>
+                  <a:lnTo>
+                    <a:pt x="9001" y="590"/>
+                  </a:lnTo>
+                  <a:lnTo>
+                    <a:pt x="8667" y="753"/>
+                  </a:lnTo>
+                  <a:lnTo>
+                    <a:pt x="8333" y="917"/>
+                  </a:lnTo>
+                  <a:lnTo>
+                    <a:pt x="7999" y="1071"/>
+                  </a:lnTo>
+                  <a:lnTo>
+                    <a:pt x="7669" y="1202"/>
+                  </a:lnTo>
+                  <a:lnTo>
+                    <a:pt x="7333" y="1325"/>
+                  </a:lnTo>
+                  <a:lnTo>
+                    <a:pt x="7000" y="1440"/>
+                  </a:lnTo>
+                  <a:lnTo>
+                    <a:pt x="6673" y="1538"/>
+                  </a:lnTo>
+                  <a:lnTo>
+                    <a:pt x="6340" y="1636"/>
+                  </a:lnTo>
+                  <a:lnTo>
+                    <a:pt x="6013" y="1719"/>
+                  </a:lnTo>
+                  <a:lnTo>
+                    <a:pt x="5686" y="1784"/>
+                  </a:lnTo>
+                  <a:lnTo>
+                    <a:pt x="5359" y="1850"/>
+                  </a:lnTo>
+                  <a:lnTo>
+                    <a:pt x="5036" y="1906"/>
+                  </a:lnTo>
+                  <a:lnTo>
+                    <a:pt x="4717" y="1948"/>
+                  </a:lnTo>
+                  <a:lnTo>
+                    <a:pt x="4396" y="1980"/>
+                  </a:lnTo>
+                  <a:lnTo>
+                    <a:pt x="4079" y="2013"/>
+                  </a:lnTo>
+                  <a:lnTo>
+                    <a:pt x="3766" y="2029"/>
+                  </a:lnTo>
+                  <a:lnTo>
+                    <a:pt x="3454" y="2046"/>
+                  </a:lnTo>
+                  <a:lnTo>
+                    <a:pt x="3145" y="2053"/>
+                  </a:lnTo>
+                  <a:lnTo>
+                    <a:pt x="2839" y="2046"/>
+                  </a:lnTo>
+                  <a:lnTo>
+                    <a:pt x="2537" y="2046"/>
+                  </a:lnTo>
+                  <a:lnTo>
+                    <a:pt x="2238" y="2029"/>
+                  </a:lnTo>
+                  <a:lnTo>
+                    <a:pt x="1943" y="2004"/>
+                  </a:lnTo>
+                  <a:lnTo>
+                    <a:pt x="1653" y="1980"/>
+                  </a:lnTo>
+                  <a:lnTo>
+                    <a:pt x="1368" y="1955"/>
+                  </a:lnTo>
+                  <a:lnTo>
+                    <a:pt x="1085" y="1915"/>
+                  </a:lnTo>
+                  <a:lnTo>
+                    <a:pt x="806" y="1873"/>
+                  </a:lnTo>
+                  <a:lnTo>
+                    <a:pt x="533" y="1833"/>
+                  </a:lnTo>
+                  <a:lnTo>
+                    <a:pt x="0" y="1726"/>
+                  </a:lnTo>
+                  <a:cubicBezTo>
+                    <a:pt x="28" y="1995"/>
+                    <a:pt x="57" y="2263"/>
+                    <a:pt x="85" y="2532"/>
+                  </a:cubicBezTo>
+                  <a:close/>
+                </a:path>
+              </a:pathLst>
+            </a:custGeom>
+            <a:solidFill>
+              <a:schemeClr val="bg1">
+                <a:alpha val="20000"/>
+              </a:schemeClr>
+            </a:solidFill>
+            <a:ln>
+              <a:noFill/>
+            </a:ln>
+          </p:spPr>
+        </p:sp>
+        <p:sp>
+          <p:nvSpPr>
+            <p:cNvPr id="19" name="Freeform 5">
+              <a:extLst>
+                <a:ext uri="{FF2B5EF4-FFF2-40B4-BE49-F238E27FC236}">
+                  <a16:creationId xmlns:a16="http://schemas.microsoft.com/office/drawing/2014/main" id="{3FD5C766-C5A8-487A-9AD6-FA3D5EB73D5F}"/>
+                </a:ext>
+                <a:ext uri="{C183D7F6-B498-43B3-948B-1728B52AA6E4}">
+                  <adec:decorative xmlns:adec="http://schemas.microsoft.com/office/drawing/2017/decorative" val="1"/>
+                </a:ext>
+              </a:extLst>
+            </p:cNvPr>
+            <p:cNvSpPr/>
+            <p:nvPr>
+              <p:extLst>
+                <p:ext uri="{386F3935-93C4-4BCD-93E2-E3B085C9AB24}">
+                  <p16:designElem xmlns:p16="http://schemas.microsoft.com/office/powerpoint/2015/main" val="1"/>
+                </p:ext>
+              </p:extLst>
+            </p:nvPr>
+          </p:nvSpPr>
+          <p:spPr bwMode="gray">
+            <a:xfrm rot="16200000">
+              <a:off x="2229377" y="2801721"/>
+              <a:ext cx="6053670" cy="1254558"/>
+            </a:xfrm>
+            <a:custGeom>
+              <a:avLst/>
+              <a:gdLst/>
+              <a:ahLst/>
+              <a:cxnLst/>
+              <a:rect l="l" t="t" r="r" b="b"/>
+              <a:pathLst>
+                <a:path w="10000" h="8000">
+                  <a:moveTo>
+                    <a:pt x="0" y="0"/>
+                  </a:moveTo>
+                  <a:lnTo>
+                    <a:pt x="0" y="7970"/>
+                  </a:lnTo>
+                  <a:lnTo>
+                    <a:pt x="10000" y="8000"/>
+                  </a:lnTo>
+                  <a:lnTo>
+                    <a:pt x="10000" y="7"/>
+                  </a:lnTo>
+                  <a:lnTo>
+                    <a:pt x="10000" y="7"/>
+                  </a:lnTo>
+                  <a:lnTo>
+                    <a:pt x="9773" y="156"/>
+                  </a:lnTo>
+                  <a:lnTo>
+                    <a:pt x="9547" y="298"/>
+                  </a:lnTo>
+                  <a:lnTo>
+                    <a:pt x="9320" y="437"/>
+                  </a:lnTo>
+                  <a:lnTo>
+                    <a:pt x="9092" y="556"/>
+                  </a:lnTo>
+                  <a:lnTo>
+                    <a:pt x="8865" y="676"/>
+                  </a:lnTo>
+                  <a:lnTo>
+                    <a:pt x="8637" y="788"/>
+                  </a:lnTo>
+                  <a:lnTo>
+                    <a:pt x="8412" y="884"/>
+                  </a:lnTo>
+                  <a:lnTo>
+                    <a:pt x="8184" y="975"/>
+                  </a:lnTo>
+                  <a:lnTo>
+                    <a:pt x="7957" y="1058"/>
+                  </a:lnTo>
+                  <a:lnTo>
+                    <a:pt x="7734" y="1130"/>
+                  </a:lnTo>
+                  <a:lnTo>
+                    <a:pt x="7508" y="1202"/>
+                  </a:lnTo>
+                  <a:lnTo>
+                    <a:pt x="7285" y="1262"/>
+                  </a:lnTo>
+                  <a:lnTo>
+                    <a:pt x="7062" y="1309"/>
+                  </a:lnTo>
+                  <a:lnTo>
+                    <a:pt x="6840" y="1358"/>
+                  </a:lnTo>
+                  <a:lnTo>
+                    <a:pt x="6620" y="1399"/>
+                  </a:lnTo>
+                  <a:lnTo>
+                    <a:pt x="6402" y="1428"/>
+                  </a:lnTo>
+                  <a:lnTo>
+                    <a:pt x="6184" y="1453"/>
+                  </a:lnTo>
+                  <a:lnTo>
+                    <a:pt x="5968" y="1477"/>
+                  </a:lnTo>
+                  <a:lnTo>
+                    <a:pt x="5755" y="1488"/>
+                  </a:lnTo>
+                  <a:lnTo>
+                    <a:pt x="5542" y="1500"/>
+                  </a:lnTo>
+                  <a:lnTo>
+                    <a:pt x="5332" y="1506"/>
+                  </a:lnTo>
+                  <a:lnTo>
+                    <a:pt x="5124" y="1500"/>
+                  </a:lnTo>
+                  <a:lnTo>
+                    <a:pt x="4918" y="1500"/>
+                  </a:lnTo>
+                  <a:lnTo>
+                    <a:pt x="4714" y="1488"/>
+                  </a:lnTo>
+                  <a:lnTo>
+                    <a:pt x="4514" y="1470"/>
+                  </a:lnTo>
+                  <a:lnTo>
+                    <a:pt x="4316" y="1453"/>
+                  </a:lnTo>
+                  <a:lnTo>
+                    <a:pt x="4122" y="1434"/>
+                  </a:lnTo>
+                  <a:lnTo>
+                    <a:pt x="3929" y="1405"/>
+                  </a:lnTo>
+                  <a:lnTo>
+                    <a:pt x="3739" y="1374"/>
+                  </a:lnTo>
+                  <a:lnTo>
+                    <a:pt x="3553" y="1346"/>
+                  </a:lnTo>
+                  <a:lnTo>
+                    <a:pt x="3190" y="1267"/>
+                  </a:lnTo>
+                  <a:lnTo>
+                    <a:pt x="2842" y="1183"/>
+                  </a:lnTo>
+                  <a:lnTo>
+                    <a:pt x="2508" y="1095"/>
+                  </a:lnTo>
+                  <a:lnTo>
+                    <a:pt x="2192" y="998"/>
+                  </a:lnTo>
+                  <a:lnTo>
+                    <a:pt x="1890" y="897"/>
+                  </a:lnTo>
+                  <a:lnTo>
+                    <a:pt x="1610" y="788"/>
+                  </a:lnTo>
+                  <a:lnTo>
+                    <a:pt x="1347" y="681"/>
+                  </a:lnTo>
+                  <a:lnTo>
+                    <a:pt x="1105" y="574"/>
+                  </a:lnTo>
+                  <a:lnTo>
+                    <a:pt x="883" y="473"/>
+                  </a:lnTo>
+                  <a:lnTo>
+                    <a:pt x="686" y="377"/>
+                  </a:lnTo>
+                  <a:lnTo>
+                    <a:pt x="508" y="286"/>
+                  </a:lnTo>
+                  <a:lnTo>
+                    <a:pt x="358" y="210"/>
+                  </a:lnTo>
+                  <a:lnTo>
+                    <a:pt x="232" y="138"/>
+                  </a:lnTo>
+                  <a:lnTo>
+                    <a:pt x="59" y="35"/>
+                  </a:lnTo>
+                  <a:lnTo>
+                    <a:pt x="0" y="0"/>
+                  </a:lnTo>
+                  <a:lnTo>
+                    <a:pt x="0" y="0"/>
+                  </a:lnTo>
+                  <a:close/>
+                </a:path>
+              </a:pathLst>
+            </a:custGeom>
+            <a:solidFill>
+              <a:schemeClr val="bg1"/>
+            </a:solidFill>
+            <a:ln>
+              <a:noFill/>
+            </a:ln>
+          </p:spPr>
+        </p:sp>
+        <p:sp>
+          <p:nvSpPr>
+            <p:cNvPr id="20" name="Freeform 5">
+              <a:extLst>
+                <a:ext uri="{FF2B5EF4-FFF2-40B4-BE49-F238E27FC236}">
+                  <a16:creationId xmlns:a16="http://schemas.microsoft.com/office/drawing/2014/main" id="{0D44D5CE-25DA-46F8-8D71-6FEB390B71FF}"/>
+                </a:ext>
+                <a:ext uri="{C183D7F6-B498-43B3-948B-1728B52AA6E4}">
+                  <adec:decorative xmlns:adec="http://schemas.microsoft.com/office/drawing/2017/decorative" val="1"/>
+                </a:ext>
+              </a:extLst>
+            </p:cNvPr>
+            <p:cNvSpPr>
+              <a:spLocks noEditPoints="1"/>
+            </p:cNvSpPr>
+            <p:nvPr>
+              <p:extLst>
+                <p:ext uri="{386F3935-93C4-4BCD-93E2-E3B085C9AB24}">
+                  <p16:designElem xmlns:p16="http://schemas.microsoft.com/office/powerpoint/2015/main" val="1"/>
+                </p:ext>
+              </p:extLst>
+            </p:nvPr>
+          </p:nvSpPr>
+          <p:spPr bwMode="gray">
+            <a:xfrm>
+              <a:off x="0" y="1587"/>
+              <a:ext cx="12192000" cy="6856413"/>
+            </a:xfrm>
+            <a:custGeom>
+              <a:avLst/>
+              <a:gdLst/>
+              <a:ahLst/>
+              <a:cxnLst/>
+              <a:rect l="0" t="0" r="r" b="b"/>
+              <a:pathLst>
+                <a:path w="15356" h="8638">
+                  <a:moveTo>
+                    <a:pt x="0" y="0"/>
+                  </a:moveTo>
+                  <a:lnTo>
+                    <a:pt x="0" y="8638"/>
+                  </a:lnTo>
+                  <a:lnTo>
+                    <a:pt x="15356" y="8638"/>
+                  </a:lnTo>
+                  <a:lnTo>
+                    <a:pt x="15356" y="0"/>
+                  </a:lnTo>
+                  <a:lnTo>
+                    <a:pt x="0" y="0"/>
+                  </a:lnTo>
+                  <a:close/>
+                  <a:moveTo>
+                    <a:pt x="14748" y="8038"/>
+                  </a:moveTo>
+                  <a:lnTo>
+                    <a:pt x="600" y="8038"/>
+                  </a:lnTo>
+                  <a:lnTo>
+                    <a:pt x="600" y="592"/>
+                  </a:lnTo>
+                  <a:lnTo>
+                    <a:pt x="14748" y="592"/>
+                  </a:lnTo>
+                  <a:lnTo>
+                    <a:pt x="14748" y="8038"/>
+                  </a:lnTo>
+                  <a:close/>
+                </a:path>
+              </a:pathLst>
+            </a:custGeom>
+            <a:solidFill>
+              <a:schemeClr val="bg1"/>
+            </a:solidFill>
+            <a:ln>
+              <a:noFill/>
+            </a:ln>
+          </p:spPr>
+        </p:sp>
+      </p:grpSp>
+      <p:sp>
+        <p:nvSpPr>
+          <p:cNvPr id="2" name="Title 1">
+            <a:extLst>
+              <a:ext uri="{FF2B5EF4-FFF2-40B4-BE49-F238E27FC236}">
+                <a16:creationId xmlns:a16="http://schemas.microsoft.com/office/drawing/2014/main" id="{52C5A583-278D-12C4-E40E-778BD318B1FF}"/>
+              </a:ext>
+            </a:extLst>
+          </p:cNvPr>
+          <p:cNvSpPr>
+            <a:spLocks noGrp="1"/>
+          </p:cNvSpPr>
+          <p:nvPr>
+            <p:ph type="title"/>
+          </p:nvPr>
+        </p:nvSpPr>
+        <p:spPr>
+          <a:xfrm>
+            <a:off x="1154955" y="973668"/>
+            <a:ext cx="2942210" cy="1020232"/>
+          </a:xfrm>
+        </p:spPr>
+        <p:txBody>
+          <a:bodyPr>
+            <a:normAutofit/>
+          </a:bodyPr>
+          <a:lstStyle/>
+          <a:p>
+            <a:r>
+              <a:rPr lang="en-GB" dirty="0"/>
+              <a:t>Me</a:t>
+            </a:r>
+          </a:p>
+        </p:txBody>
+      </p:sp>
+      <p:sp>
+        <p:nvSpPr>
+          <p:cNvPr id="3" name="Content Placeholder 2">
+            <a:extLst>
+              <a:ext uri="{FF2B5EF4-FFF2-40B4-BE49-F238E27FC236}">
+                <a16:creationId xmlns:a16="http://schemas.microsoft.com/office/drawing/2014/main" id="{E6679658-F090-D53D-AE52-002598ED794D}"/>
+              </a:ext>
+            </a:extLst>
+          </p:cNvPr>
+          <p:cNvSpPr>
+            <a:spLocks noGrp="1"/>
+          </p:cNvSpPr>
+          <p:nvPr>
+            <p:ph idx="1"/>
+          </p:nvPr>
+        </p:nvSpPr>
+        <p:spPr>
+          <a:xfrm>
+            <a:off x="1154955" y="2120900"/>
+            <a:ext cx="3133726" cy="3898900"/>
+          </a:xfrm>
+        </p:spPr>
+        <p:txBody>
+          <a:bodyPr>
+            <a:normAutofit/>
+          </a:bodyPr>
+          <a:lstStyle/>
+          <a:p>
+            <a:r>
+              <a:rPr lang="en-GB" dirty="0">
+                <a:solidFill>
+                  <a:schemeClr val="bg1"/>
+                </a:solidFill>
+              </a:rPr>
+              <a:t>Creative technologist</a:t>
+            </a:r>
+          </a:p>
+          <a:p>
+            <a:r>
+              <a:rPr lang="en-GB" dirty="0">
+                <a:solidFill>
+                  <a:schemeClr val="bg1"/>
+                </a:solidFill>
+              </a:rPr>
+              <a:t>Rietveld – </a:t>
+            </a:r>
+            <a:r>
+              <a:rPr lang="en-GB" dirty="0" err="1">
+                <a:solidFill>
+                  <a:schemeClr val="bg1"/>
+                </a:solidFill>
+              </a:rPr>
+              <a:t>DogTime</a:t>
+            </a:r>
+            <a:r>
+              <a:rPr lang="en-GB" dirty="0">
+                <a:solidFill>
+                  <a:schemeClr val="bg1"/>
+                </a:solidFill>
+              </a:rPr>
+              <a:t> </a:t>
+            </a:r>
+            <a:r>
+              <a:rPr lang="en-GB" dirty="0" err="1">
+                <a:solidFill>
+                  <a:schemeClr val="bg1"/>
+                </a:solidFill>
+              </a:rPr>
+              <a:t>Unestable</a:t>
+            </a:r>
+            <a:r>
+              <a:rPr lang="en-GB" dirty="0">
+                <a:solidFill>
+                  <a:schemeClr val="bg1"/>
+                </a:solidFill>
+              </a:rPr>
+              <a:t> Media</a:t>
+            </a:r>
+          </a:p>
+          <a:p>
+            <a:r>
+              <a:rPr lang="en-GB" dirty="0">
+                <a:solidFill>
+                  <a:schemeClr val="bg1"/>
+                </a:solidFill>
+              </a:rPr>
+              <a:t>In my practice I aim to use technology as companion for creation instead of simply as a tool</a:t>
+            </a:r>
+          </a:p>
+        </p:txBody>
+      </p:sp>
+      <p:pic>
+        <p:nvPicPr>
+          <p:cNvPr id="5" name="Picture 4" descr="A black square object with a hand print on it&#10;&#10;Description automatically generated">
+            <a:extLst>
+              <a:ext uri="{FF2B5EF4-FFF2-40B4-BE49-F238E27FC236}">
+                <a16:creationId xmlns:a16="http://schemas.microsoft.com/office/drawing/2014/main" id="{4430F97F-1343-88B8-3186-8B2C14C06A58}"/>
+              </a:ext>
+            </a:extLst>
+          </p:cNvPr>
+          <p:cNvPicPr>
+            <a:picLocks noChangeAspect="1"/>
+          </p:cNvPicPr>
+          <p:nvPr/>
+        </p:nvPicPr>
+        <p:blipFill>
+          <a:blip r:embed="rId3"/>
+          <a:stretch>
+            <a:fillRect/>
+          </a:stretch>
+        </p:blipFill>
+        <p:spPr>
+          <a:xfrm>
+            <a:off x="5194607" y="1353065"/>
+            <a:ext cx="3113903" cy="4151870"/>
+          </a:xfrm>
+          <a:prstGeom prst="rect">
+            <a:avLst/>
+          </a:prstGeom>
+        </p:spPr>
+      </p:pic>
+      <p:pic>
+        <p:nvPicPr>
+          <p:cNvPr id="7" name="Picture 6" descr="A projector screen in a room&#10;&#10;Description automatically generated">
+            <a:extLst>
+              <a:ext uri="{FF2B5EF4-FFF2-40B4-BE49-F238E27FC236}">
+                <a16:creationId xmlns:a16="http://schemas.microsoft.com/office/drawing/2014/main" id="{6566F97C-0335-C0BF-8129-49483AC2BE26}"/>
+              </a:ext>
+            </a:extLst>
+          </p:cNvPr>
+          <p:cNvPicPr>
+            <a:picLocks noChangeAspect="1"/>
+          </p:cNvPicPr>
+          <p:nvPr/>
+        </p:nvPicPr>
+        <p:blipFill>
+          <a:blip r:embed="rId4"/>
+          <a:stretch>
+            <a:fillRect/>
+          </a:stretch>
+        </p:blipFill>
+        <p:spPr>
+          <a:xfrm>
+            <a:off x="8472236" y="1353063"/>
+            <a:ext cx="3113904" cy="4151872"/>
+          </a:xfrm>
+          <a:prstGeom prst="rect">
+            <a:avLst/>
+          </a:prstGeom>
+        </p:spPr>
+      </p:pic>
+      <p:sp>
+        <p:nvSpPr>
+          <p:cNvPr id="22" name="Rectangle 21">
+            <a:extLst>
+              <a:ext uri="{FF2B5EF4-FFF2-40B4-BE49-F238E27FC236}">
+                <a16:creationId xmlns:a16="http://schemas.microsoft.com/office/drawing/2014/main" id="{6CB62799-E47D-468D-9290-FF49353DFACD}"/>
+              </a:ext>
+              <a:ext uri="{C183D7F6-B498-43B3-948B-1728B52AA6E4}">
+                <adec:decorative xmlns:adec="http://schemas.microsoft.com/office/drawing/2017/decorative" val="1"/>
+              </a:ext>
+            </a:extLst>
+          </p:cNvPr>
+          <p:cNvSpPr>
+            <a:spLocks noGrp="1" noRot="1" noChangeAspect="1" noMove="1" noResize="1" noEditPoints="1" noAdjustHandles="1" noChangeArrowheads="1" noChangeShapeType="1" noTextEdit="1"/>
+          </p:cNvSpPr>
+          <p:nvPr>
+            <p:extLst>
+              <p:ext uri="{386F3935-93C4-4BCD-93E2-E3B085C9AB24}">
+                <p16:designElem xmlns:p16="http://schemas.microsoft.com/office/powerpoint/2015/main" val="1"/>
+              </p:ext>
+            </p:extLst>
+          </p:nvPr>
+        </p:nvSpPr>
+        <p:spPr>
+          <a:xfrm>
+            <a:off x="10437812" y="0"/>
+            <a:ext cx="685800" cy="1143000"/>
+          </a:xfrm>
+          <a:prstGeom prst="rect">
+            <a:avLst/>
+          </a:prstGeom>
+          <a:solidFill>
+            <a:schemeClr val="accent1"/>
+          </a:solidFill>
+          <a:ln>
+            <a:noFill/>
+          </a:ln>
+        </p:spPr>
+        <p:style>
+          <a:lnRef idx="1">
+            <a:schemeClr val="accent1"/>
+          </a:lnRef>
+          <a:fillRef idx="3">
+            <a:schemeClr val="accent1"/>
+          </a:fillRef>
+          <a:effectRef idx="2">
+            <a:schemeClr val="accent1"/>
+          </a:effectRef>
+          <a:fontRef idx="minor">
+            <a:schemeClr val="lt1"/>
+          </a:fontRef>
+        </p:style>
+      </p:sp>
+    </p:spTree>
+    <p:extLst>
+      <p:ext uri="{BB962C8B-B14F-4D97-AF65-F5344CB8AC3E}">
+        <p14:creationId xmlns:p14="http://schemas.microsoft.com/office/powerpoint/2010/main" val="206948331"/>
+      </p:ext>
+    </p:extLst>
+  </p:cSld>
+  <p:clrMapOvr>
+    <a:masterClrMapping/>
+  </p:clrMapOvr>
+</p:sld>
+</file>
+
+<file path=ppt/slides/slide4.xml><?xml version="1.0" encoding="utf-8"?>
+<p:sld xmlns:a="http://schemas.openxmlformats.org/drawingml/2006/main" xmlns:r="http://schemas.openxmlformats.org/officeDocument/2006/relationships" xmlns:p="http://schemas.openxmlformats.org/presentationml/2006/main">
+  <p:cSld>
+    <p:spTree>
+      <p:nvGrpSpPr>
+        <p:cNvPr id="1" name=""/>
+        <p:cNvGrpSpPr/>
+        <p:nvPr/>
+      </p:nvGrpSpPr>
+      <p:grpSpPr>
+        <a:xfrm>
+          <a:off x="0" y="0"/>
+          <a:ext cx="0" cy="0"/>
+          <a:chOff x="0" y="0"/>
+          <a:chExt cx="0" cy="0"/>
+        </a:xfrm>
+      </p:grpSpPr>
+      <p:sp>
+        <p:nvSpPr>
+          <p:cNvPr id="2" name="Title 1">
+            <a:extLst>
+              <a:ext uri="{FF2B5EF4-FFF2-40B4-BE49-F238E27FC236}">
+                <a16:creationId xmlns:a16="http://schemas.microsoft.com/office/drawing/2014/main" id="{04EC35E6-2867-14AA-3A92-73DD3FA8BCC9}"/>
+              </a:ext>
+            </a:extLst>
+          </p:cNvPr>
+          <p:cNvSpPr>
+            <a:spLocks noGrp="1"/>
+          </p:cNvSpPr>
+          <p:nvPr>
+            <p:ph type="title"/>
+          </p:nvPr>
+        </p:nvSpPr>
+        <p:spPr/>
+        <p:txBody>
+          <a:bodyPr/>
+          <a:lstStyle/>
+          <a:p>
+            <a:r>
+              <a:rPr lang="en-GB" dirty="0" err="1"/>
+              <a:t>TouchDesigner</a:t>
+            </a:r>
+            <a:endParaRPr lang="en-GB" dirty="0"/>
+          </a:p>
+        </p:txBody>
+      </p:sp>
+      <p:sp>
+        <p:nvSpPr>
+          <p:cNvPr id="3" name="Content Placeholder 2">
+            <a:extLst>
+              <a:ext uri="{FF2B5EF4-FFF2-40B4-BE49-F238E27FC236}">
+                <a16:creationId xmlns:a16="http://schemas.microsoft.com/office/drawing/2014/main" id="{54F200C0-3488-4E25-56B2-99BEE251BE32}"/>
+              </a:ext>
+            </a:extLst>
+          </p:cNvPr>
+          <p:cNvSpPr>
+            <a:spLocks noGrp="1"/>
+          </p:cNvSpPr>
+          <p:nvPr>
+            <p:ph idx="1"/>
+          </p:nvPr>
+        </p:nvSpPr>
+        <p:spPr/>
+        <p:txBody>
+          <a:bodyPr/>
+          <a:lstStyle/>
+          <a:p>
+            <a:r>
+              <a:rPr lang="en-GB" dirty="0"/>
+              <a:t>Node based programming language</a:t>
+            </a:r>
+          </a:p>
+          <a:p>
+            <a:pPr lvl="1"/>
+            <a:r>
+              <a:rPr lang="en-GB" dirty="0"/>
+              <a:t>Essentially function composition f(g(h(x)))</a:t>
+            </a:r>
+          </a:p>
+          <a:p>
+            <a:r>
+              <a:rPr lang="en-GB" dirty="0"/>
+              <a:t>Very good for making data into visuals (not scientific)</a:t>
+            </a:r>
+          </a:p>
+          <a:p>
+            <a:r>
+              <a:rPr lang="en-GB" dirty="0"/>
+              <a:t>Very good for sensor data and sending it back to devices</a:t>
+            </a:r>
+          </a:p>
+          <a:p>
+            <a:r>
+              <a:rPr lang="en-GB" dirty="0"/>
+              <a:t>Not good to make sound – go to Ableton or Max</a:t>
+            </a:r>
+          </a:p>
+        </p:txBody>
+      </p:sp>
+    </p:spTree>
+    <p:extLst>
+      <p:ext uri="{BB962C8B-B14F-4D97-AF65-F5344CB8AC3E}">
+        <p14:creationId xmlns:p14="http://schemas.microsoft.com/office/powerpoint/2010/main" val="2246240915"/>
+      </p:ext>
+    </p:extLst>
+  </p:cSld>
+  <p:clrMapOvr>
+    <a:masterClrMapping/>
+  </p:clrMapOvr>
+</p:sld>
+</file>
+
+<file path=ppt/slides/slide5.xml><?xml version="1.0" encoding="utf-8"?>
 <p:sld xmlns:a="http://schemas.openxmlformats.org/drawingml/2006/main" xmlns:r="http://schemas.openxmlformats.org/officeDocument/2006/relationships" xmlns:p="http://schemas.openxmlformats.org/presentationml/2006/main">
   <p:cSld>
     <p:spTree>
@@ -16679,7 +18134,7 @@
           <a:p>
             <a:r>
               <a:rPr lang="en-GB" dirty="0"/>
-              <a:t>Constrains…</a:t>
+              <a:t>Constrains for the workshop…</a:t>
             </a:r>
           </a:p>
         </p:txBody>
@@ -16752,7 +18207,7 @@
         </p:nvSpPr>
         <p:spPr>
           <a:xfrm>
-            <a:off x="3863509" y="3905504"/>
+            <a:off x="3863509" y="4044986"/>
             <a:ext cx="457200" cy="457200"/>
           </a:xfrm>
           <a:prstGeom prst="ellipse">
@@ -16798,7 +18253,7 @@
         </p:nvSpPr>
         <p:spPr>
           <a:xfrm>
-            <a:off x="3209246" y="3905504"/>
+            <a:off x="3209246" y="4044986"/>
             <a:ext cx="457200" cy="457200"/>
           </a:xfrm>
           <a:prstGeom prst="rect">
@@ -16844,7 +18299,7 @@
         </p:nvSpPr>
         <p:spPr>
           <a:xfrm>
-            <a:off x="4548769" y="3905504"/>
+            <a:off x="4548769" y="4044986"/>
             <a:ext cx="457200" cy="457200"/>
           </a:xfrm>
           <a:prstGeom prst="triangle">
@@ -16937,7 +18392,7 @@
         </p:nvSpPr>
         <p:spPr>
           <a:xfrm>
-            <a:off x="3101711" y="3429000"/>
+            <a:off x="3101711" y="3568482"/>
             <a:ext cx="1593706" cy="400110"/>
           </a:xfrm>
           <a:prstGeom prst="rect">
@@ -17309,7 +18764,7 @@
 </p:sld>
 </file>
 
-<file path=ppt/slides/slide3.xml><?xml version="1.0" encoding="utf-8"?>
+<file path=ppt/slides/slide6.xml><?xml version="1.0" encoding="utf-8"?>
 <p:sld xmlns:a="http://schemas.openxmlformats.org/drawingml/2006/main" xmlns:r="http://schemas.openxmlformats.org/officeDocument/2006/relationships" xmlns:p="http://schemas.openxmlformats.org/presentationml/2006/main">
   <p:cSld>
     <p:bg>
@@ -18329,7 +19784,1275 @@
 </p:sld>
 </file>
 
-<file path=ppt/slides/slide4.xml><?xml version="1.0" encoding="utf-8"?>
+<file path=ppt/slides/slide7.xml><?xml version="1.0" encoding="utf-8"?>
+<p:sld xmlns:a="http://schemas.openxmlformats.org/drawingml/2006/main" xmlns:r="http://schemas.openxmlformats.org/officeDocument/2006/relationships" xmlns:p="http://schemas.openxmlformats.org/presentationml/2006/main">
+  <p:cSld>
+    <p:bg>
+      <p:bgPr>
+        <a:solidFill>
+          <a:schemeClr val="bg1"/>
+        </a:solidFill>
+        <a:effectLst/>
+      </p:bgPr>
+    </p:bg>
+    <p:spTree>
+      <p:nvGrpSpPr>
+        <p:cNvPr id="1" name=""/>
+        <p:cNvGrpSpPr/>
+        <p:nvPr/>
+      </p:nvGrpSpPr>
+      <p:grpSpPr>
+        <a:xfrm>
+          <a:off x="0" y="0"/>
+          <a:ext cx="0" cy="0"/>
+          <a:chOff x="0" y="0"/>
+          <a:chExt cx="0" cy="0"/>
+        </a:xfrm>
+      </p:grpSpPr>
+      <p:grpSp>
+        <p:nvGrpSpPr>
+          <p:cNvPr id="15" name="Group 14">
+            <a:extLst>
+              <a:ext uri="{FF2B5EF4-FFF2-40B4-BE49-F238E27FC236}">
+                <a16:creationId xmlns:a16="http://schemas.microsoft.com/office/drawing/2014/main" id="{B6583EC0-B95E-4CD4-9A9A-0C3F6FA8253F}"/>
+              </a:ext>
+              <a:ext uri="{C183D7F6-B498-43B3-948B-1728B52AA6E4}">
+                <adec:decorative xmlns:adec="http://schemas.microsoft.com/office/drawing/2017/decorative" val="1"/>
+              </a:ext>
+            </a:extLst>
+          </p:cNvPr>
+          <p:cNvGrpSpPr>
+            <a:grpSpLocks noGrp="1" noUngrp="1" noRot="1" noChangeAspect="1" noMove="1" noResize="1"/>
+          </p:cNvGrpSpPr>
+          <p:nvPr>
+            <p:extLst>
+              <p:ext uri="{386F3935-93C4-4BCD-93E2-E3B085C9AB24}">
+                <p16:designElem xmlns:p16="http://schemas.microsoft.com/office/powerpoint/2015/main" val="1"/>
+              </p:ext>
+            </p:extLst>
+          </p:nvPr>
+        </p:nvGrpSpPr>
+        <p:grpSpPr>
+          <a:xfrm>
+            <a:off x="-1588" y="0"/>
+            <a:ext cx="12193588" cy="6861555"/>
+            <a:chOff x="-1588" y="0"/>
+            <a:chExt cx="12193588" cy="6861555"/>
+          </a:xfrm>
+        </p:grpSpPr>
+        <p:sp>
+          <p:nvSpPr>
+            <p:cNvPr id="16" name="Rectangle 15">
+              <a:extLst>
+                <a:ext uri="{FF2B5EF4-FFF2-40B4-BE49-F238E27FC236}">
+                  <a16:creationId xmlns:a16="http://schemas.microsoft.com/office/drawing/2014/main" id="{185B8355-5373-403A-B5C2-4C8E70AC8A6A}"/>
+                </a:ext>
+                <a:ext uri="{C183D7F6-B498-43B3-948B-1728B52AA6E4}">
+                  <adec:decorative xmlns:adec="http://schemas.microsoft.com/office/drawing/2017/decorative" val="1"/>
+                </a:ext>
+              </a:extLst>
+            </p:cNvPr>
+            <p:cNvSpPr/>
+            <p:nvPr>
+              <p:extLst>
+                <p:ext uri="{386F3935-93C4-4BCD-93E2-E3B085C9AB24}">
+                  <p16:designElem xmlns:p16="http://schemas.microsoft.com/office/powerpoint/2015/main" val="1"/>
+                </p:ext>
+              </p:extLst>
+            </p:nvPr>
+          </p:nvSpPr>
+          <p:spPr>
+            <a:xfrm>
+              <a:off x="0" y="0"/>
+              <a:ext cx="12192000" cy="6858000"/>
+            </a:xfrm>
+            <a:prstGeom prst="rect">
+              <a:avLst/>
+            </a:prstGeom>
+            <a:blipFill>
+              <a:blip r:embed="rId2">
+                <a:duotone>
+                  <a:schemeClr val="dk2">
+                    <a:shade val="69000"/>
+                    <a:hueMod val="108000"/>
+                    <a:satMod val="164000"/>
+                    <a:lumMod val="74000"/>
+                  </a:schemeClr>
+                  <a:schemeClr val="dk2">
+                    <a:tint val="96000"/>
+                    <a:hueMod val="88000"/>
+                    <a:satMod val="140000"/>
+                    <a:lumMod val="132000"/>
+                  </a:schemeClr>
+                </a:duotone>
+              </a:blip>
+              <a:stretch>
+                <a:fillRect/>
+              </a:stretch>
+            </a:blipFill>
+            <a:ln>
+              <a:noFill/>
+            </a:ln>
+          </p:spPr>
+          <p:style>
+            <a:lnRef idx="2">
+              <a:schemeClr val="accent1">
+                <a:shade val="50000"/>
+              </a:schemeClr>
+            </a:lnRef>
+            <a:fillRef idx="1">
+              <a:schemeClr val="accent1"/>
+            </a:fillRef>
+            <a:effectRef idx="0">
+              <a:schemeClr val="accent1"/>
+            </a:effectRef>
+            <a:fontRef idx="minor">
+              <a:schemeClr val="lt1"/>
+            </a:fontRef>
+          </p:style>
+        </p:sp>
+        <p:sp>
+          <p:nvSpPr>
+            <p:cNvPr id="17" name="Oval 16">
+              <a:extLst>
+                <a:ext uri="{FF2B5EF4-FFF2-40B4-BE49-F238E27FC236}">
+                  <a16:creationId xmlns:a16="http://schemas.microsoft.com/office/drawing/2014/main" id="{25BACD68-BDD7-43D0-A593-66B247A49101}"/>
+                </a:ext>
+                <a:ext uri="{C183D7F6-B498-43B3-948B-1728B52AA6E4}">
+                  <adec:decorative xmlns:adec="http://schemas.microsoft.com/office/drawing/2017/decorative" val="1"/>
+                </a:ext>
+              </a:extLst>
+            </p:cNvPr>
+            <p:cNvSpPr/>
+            <p:nvPr>
+              <p:extLst>
+                <p:ext uri="{386F3935-93C4-4BCD-93E2-E3B085C9AB24}">
+                  <p16:designElem xmlns:p16="http://schemas.microsoft.com/office/powerpoint/2015/main" val="1"/>
+                </p:ext>
+              </p:extLst>
+            </p:nvPr>
+          </p:nvSpPr>
+          <p:spPr>
+            <a:xfrm>
+              <a:off x="8761412" y="1828800"/>
+              <a:ext cx="2819400" cy="2819400"/>
+            </a:xfrm>
+            <a:prstGeom prst="ellipse">
+              <a:avLst/>
+            </a:prstGeom>
+            <a:gradFill flip="none" rotWithShape="1">
+              <a:gsLst>
+                <a:gs pos="0">
+                  <a:schemeClr val="accent5">
+                    <a:alpha val="7000"/>
+                  </a:schemeClr>
+                </a:gs>
+                <a:gs pos="69000">
+                  <a:schemeClr val="accent5">
+                    <a:alpha val="0"/>
+                  </a:schemeClr>
+                </a:gs>
+                <a:gs pos="36000">
+                  <a:schemeClr val="accent5">
+                    <a:alpha val="6000"/>
+                  </a:schemeClr>
+                </a:gs>
+              </a:gsLst>
+              <a:path path="circle">
+                <a:fillToRect l="50000" t="50000" r="50000" b="50000"/>
+              </a:path>
+              <a:tileRect/>
+            </a:gradFill>
+            <a:ln>
+              <a:noFill/>
+            </a:ln>
+            <a:effectLst/>
+          </p:spPr>
+          <p:style>
+            <a:lnRef idx="1">
+              <a:schemeClr val="accent1"/>
+            </a:lnRef>
+            <a:fillRef idx="3">
+              <a:schemeClr val="accent1"/>
+            </a:fillRef>
+            <a:effectRef idx="2">
+              <a:schemeClr val="accent1"/>
+            </a:effectRef>
+            <a:fontRef idx="minor">
+              <a:schemeClr val="lt1"/>
+            </a:fontRef>
+          </p:style>
+        </p:sp>
+        <p:sp>
+          <p:nvSpPr>
+            <p:cNvPr id="18" name="Oval 17">
+              <a:extLst>
+                <a:ext uri="{FF2B5EF4-FFF2-40B4-BE49-F238E27FC236}">
+                  <a16:creationId xmlns:a16="http://schemas.microsoft.com/office/drawing/2014/main" id="{D20AC87D-DE1E-46F5-889B-6CFD4FB14B55}"/>
+                </a:ext>
+                <a:ext uri="{C183D7F6-B498-43B3-948B-1728B52AA6E4}">
+                  <adec:decorative xmlns:adec="http://schemas.microsoft.com/office/drawing/2017/decorative" val="1"/>
+                </a:ext>
+              </a:extLst>
+            </p:cNvPr>
+            <p:cNvSpPr/>
+            <p:nvPr>
+              <p:extLst>
+                <p:ext uri="{386F3935-93C4-4BCD-93E2-E3B085C9AB24}">
+                  <p16:designElem xmlns:p16="http://schemas.microsoft.com/office/powerpoint/2015/main" val="1"/>
+                </p:ext>
+              </p:extLst>
+            </p:nvPr>
+          </p:nvSpPr>
+          <p:spPr>
+            <a:xfrm>
+              <a:off x="8761412" y="5870955"/>
+              <a:ext cx="990600" cy="990600"/>
+            </a:xfrm>
+            <a:prstGeom prst="ellipse">
+              <a:avLst/>
+            </a:prstGeom>
+            <a:gradFill flip="none" rotWithShape="1">
+              <a:gsLst>
+                <a:gs pos="0">
+                  <a:schemeClr val="accent5">
+                    <a:alpha val="14000"/>
+                  </a:schemeClr>
+                </a:gs>
+                <a:gs pos="66000">
+                  <a:schemeClr val="accent5">
+                    <a:alpha val="0"/>
+                  </a:schemeClr>
+                </a:gs>
+                <a:gs pos="36000">
+                  <a:schemeClr val="accent5">
+                    <a:alpha val="7000"/>
+                  </a:schemeClr>
+                </a:gs>
+              </a:gsLst>
+              <a:path path="circle">
+                <a:fillToRect l="50000" t="50000" r="50000" b="50000"/>
+              </a:path>
+              <a:tileRect/>
+            </a:gradFill>
+            <a:ln>
+              <a:noFill/>
+            </a:ln>
+            <a:effectLst/>
+          </p:spPr>
+          <p:style>
+            <a:lnRef idx="1">
+              <a:schemeClr val="accent1"/>
+            </a:lnRef>
+            <a:fillRef idx="3">
+              <a:schemeClr val="accent1"/>
+            </a:fillRef>
+            <a:effectRef idx="2">
+              <a:schemeClr val="accent1"/>
+            </a:effectRef>
+            <a:fontRef idx="minor">
+              <a:schemeClr val="lt1"/>
+            </a:fontRef>
+          </p:style>
+        </p:sp>
+        <p:sp>
+          <p:nvSpPr>
+            <p:cNvPr id="19" name="Oval 18">
+              <a:extLst>
+                <a:ext uri="{FF2B5EF4-FFF2-40B4-BE49-F238E27FC236}">
+                  <a16:creationId xmlns:a16="http://schemas.microsoft.com/office/drawing/2014/main" id="{21C643F3-476E-4474-A4AA-2AF19ECCB3D1}"/>
+                </a:ext>
+                <a:ext uri="{C183D7F6-B498-43B3-948B-1728B52AA6E4}">
+                  <adec:decorative xmlns:adec="http://schemas.microsoft.com/office/drawing/2017/decorative" val="1"/>
+                </a:ext>
+              </a:extLst>
+            </p:cNvPr>
+            <p:cNvSpPr/>
+            <p:nvPr>
+              <p:extLst>
+                <p:ext uri="{386F3935-93C4-4BCD-93E2-E3B085C9AB24}">
+                  <p16:designElem xmlns:p16="http://schemas.microsoft.com/office/powerpoint/2015/main" val="1"/>
+                </p:ext>
+              </p:extLst>
+            </p:nvPr>
+          </p:nvSpPr>
+          <p:spPr>
+            <a:xfrm>
+              <a:off x="-1588" y="2667000"/>
+              <a:ext cx="4191000" cy="4191000"/>
+            </a:xfrm>
+            <a:prstGeom prst="ellipse">
+              <a:avLst/>
+            </a:prstGeom>
+            <a:gradFill flip="none" rotWithShape="1">
+              <a:gsLst>
+                <a:gs pos="0">
+                  <a:schemeClr val="accent5">
+                    <a:alpha val="11000"/>
+                  </a:schemeClr>
+                </a:gs>
+                <a:gs pos="75000">
+                  <a:schemeClr val="accent5">
+                    <a:alpha val="0"/>
+                  </a:schemeClr>
+                </a:gs>
+                <a:gs pos="36000">
+                  <a:schemeClr val="accent5">
+                    <a:alpha val="10000"/>
+                  </a:schemeClr>
+                </a:gs>
+              </a:gsLst>
+              <a:path path="circle">
+                <a:fillToRect l="50000" t="50000" r="50000" b="50000"/>
+              </a:path>
+              <a:tileRect/>
+            </a:gradFill>
+            <a:ln>
+              <a:noFill/>
+            </a:ln>
+            <a:effectLst/>
+          </p:spPr>
+          <p:style>
+            <a:lnRef idx="1">
+              <a:schemeClr val="accent1"/>
+            </a:lnRef>
+            <a:fillRef idx="3">
+              <a:schemeClr val="accent1"/>
+            </a:fillRef>
+            <a:effectRef idx="2">
+              <a:schemeClr val="accent1"/>
+            </a:effectRef>
+            <a:fontRef idx="minor">
+              <a:schemeClr val="lt1"/>
+            </a:fontRef>
+          </p:style>
+        </p:sp>
+        <p:sp>
+          <p:nvSpPr>
+            <p:cNvPr id="20" name="Freeform 5">
+              <a:extLst>
+                <a:ext uri="{FF2B5EF4-FFF2-40B4-BE49-F238E27FC236}">
+                  <a16:creationId xmlns:a16="http://schemas.microsoft.com/office/drawing/2014/main" id="{B7EE1E46-6AD7-4F25-ABEB-0C06AE4663A8}"/>
+                </a:ext>
+                <a:ext uri="{C183D7F6-B498-43B3-948B-1728B52AA6E4}">
+                  <adec:decorative xmlns:adec="http://schemas.microsoft.com/office/drawing/2017/decorative" val="1"/>
+                </a:ext>
+              </a:extLst>
+            </p:cNvPr>
+            <p:cNvSpPr/>
+            <p:nvPr>
+              <p:extLst>
+                <p:ext uri="{386F3935-93C4-4BCD-93E2-E3B085C9AB24}">
+                  <p16:designElem xmlns:p16="http://schemas.microsoft.com/office/powerpoint/2015/main" val="1"/>
+                </p:ext>
+              </p:extLst>
+            </p:nvPr>
+          </p:nvSpPr>
+          <p:spPr bwMode="gray">
+            <a:xfrm rot="21010068">
+              <a:off x="8490951" y="1797517"/>
+              <a:ext cx="3299407" cy="440924"/>
+            </a:xfrm>
+            <a:custGeom>
+              <a:avLst/>
+              <a:gdLst/>
+              <a:ahLst/>
+              <a:cxnLst/>
+              <a:rect l="l" t="t" r="r" b="b"/>
+              <a:pathLst>
+                <a:path w="10000" h="5291">
+                  <a:moveTo>
+                    <a:pt x="85" y="2532"/>
+                  </a:moveTo>
+                  <a:cubicBezTo>
+                    <a:pt x="1736" y="3911"/>
+                    <a:pt x="7524" y="5298"/>
+                    <a:pt x="9958" y="5291"/>
+                  </a:cubicBezTo>
+                  <a:cubicBezTo>
+                    <a:pt x="9989" y="1958"/>
+                    <a:pt x="9969" y="3333"/>
+                    <a:pt x="10000" y="0"/>
+                  </a:cubicBezTo>
+                  <a:lnTo>
+                    <a:pt x="10000" y="0"/>
+                  </a:lnTo>
+                  <a:lnTo>
+                    <a:pt x="9667" y="204"/>
+                  </a:lnTo>
+                  <a:lnTo>
+                    <a:pt x="9334" y="400"/>
+                  </a:lnTo>
+                  <a:lnTo>
+                    <a:pt x="9001" y="590"/>
+                  </a:lnTo>
+                  <a:lnTo>
+                    <a:pt x="8667" y="753"/>
+                  </a:lnTo>
+                  <a:lnTo>
+                    <a:pt x="8333" y="917"/>
+                  </a:lnTo>
+                  <a:lnTo>
+                    <a:pt x="7999" y="1071"/>
+                  </a:lnTo>
+                  <a:lnTo>
+                    <a:pt x="7669" y="1202"/>
+                  </a:lnTo>
+                  <a:lnTo>
+                    <a:pt x="7333" y="1325"/>
+                  </a:lnTo>
+                  <a:lnTo>
+                    <a:pt x="7000" y="1440"/>
+                  </a:lnTo>
+                  <a:lnTo>
+                    <a:pt x="6673" y="1538"/>
+                  </a:lnTo>
+                  <a:lnTo>
+                    <a:pt x="6340" y="1636"/>
+                  </a:lnTo>
+                  <a:lnTo>
+                    <a:pt x="6013" y="1719"/>
+                  </a:lnTo>
+                  <a:lnTo>
+                    <a:pt x="5686" y="1784"/>
+                  </a:lnTo>
+                  <a:lnTo>
+                    <a:pt x="5359" y="1850"/>
+                  </a:lnTo>
+                  <a:lnTo>
+                    <a:pt x="5036" y="1906"/>
+                  </a:lnTo>
+                  <a:lnTo>
+                    <a:pt x="4717" y="1948"/>
+                  </a:lnTo>
+                  <a:lnTo>
+                    <a:pt x="4396" y="1980"/>
+                  </a:lnTo>
+                  <a:lnTo>
+                    <a:pt x="4079" y="2013"/>
+                  </a:lnTo>
+                  <a:lnTo>
+                    <a:pt x="3766" y="2029"/>
+                  </a:lnTo>
+                  <a:lnTo>
+                    <a:pt x="3454" y="2046"/>
+                  </a:lnTo>
+                  <a:lnTo>
+                    <a:pt x="3145" y="2053"/>
+                  </a:lnTo>
+                  <a:lnTo>
+                    <a:pt x="2839" y="2046"/>
+                  </a:lnTo>
+                  <a:lnTo>
+                    <a:pt x="2537" y="2046"/>
+                  </a:lnTo>
+                  <a:lnTo>
+                    <a:pt x="2238" y="2029"/>
+                  </a:lnTo>
+                  <a:lnTo>
+                    <a:pt x="1943" y="2004"/>
+                  </a:lnTo>
+                  <a:lnTo>
+                    <a:pt x="1653" y="1980"/>
+                  </a:lnTo>
+                  <a:lnTo>
+                    <a:pt x="1368" y="1955"/>
+                  </a:lnTo>
+                  <a:lnTo>
+                    <a:pt x="1085" y="1915"/>
+                  </a:lnTo>
+                  <a:lnTo>
+                    <a:pt x="806" y="1873"/>
+                  </a:lnTo>
+                  <a:lnTo>
+                    <a:pt x="533" y="1833"/>
+                  </a:lnTo>
+                  <a:lnTo>
+                    <a:pt x="0" y="1726"/>
+                  </a:lnTo>
+                  <a:cubicBezTo>
+                    <a:pt x="28" y="1995"/>
+                    <a:pt x="57" y="2263"/>
+                    <a:pt x="85" y="2532"/>
+                  </a:cubicBezTo>
+                  <a:close/>
+                </a:path>
+              </a:pathLst>
+            </a:custGeom>
+            <a:solidFill>
+              <a:schemeClr val="bg1">
+                <a:alpha val="20000"/>
+              </a:schemeClr>
+            </a:solidFill>
+            <a:ln>
+              <a:noFill/>
+            </a:ln>
+          </p:spPr>
+        </p:sp>
+        <p:sp>
+          <p:nvSpPr>
+            <p:cNvPr id="21" name="Freeform 5">
+              <a:extLst>
+                <a:ext uri="{FF2B5EF4-FFF2-40B4-BE49-F238E27FC236}">
+                  <a16:creationId xmlns:a16="http://schemas.microsoft.com/office/drawing/2014/main" id="{19C342B7-8020-4464-8EB2-AE58A8B8FB37}"/>
+                </a:ext>
+                <a:ext uri="{C183D7F6-B498-43B3-948B-1728B52AA6E4}">
+                  <adec:decorative xmlns:adec="http://schemas.microsoft.com/office/drawing/2017/decorative" val="1"/>
+                </a:ext>
+              </a:extLst>
+            </p:cNvPr>
+            <p:cNvSpPr/>
+            <p:nvPr>
+              <p:extLst>
+                <p:ext uri="{386F3935-93C4-4BCD-93E2-E3B085C9AB24}">
+                  <p16:designElem xmlns:p16="http://schemas.microsoft.com/office/powerpoint/2015/main" val="1"/>
+                </p:ext>
+              </p:extLst>
+            </p:nvPr>
+          </p:nvSpPr>
+          <p:spPr bwMode="gray">
+            <a:xfrm>
+              <a:off x="459506" y="1866405"/>
+              <a:ext cx="11277600" cy="4533900"/>
+            </a:xfrm>
+            <a:custGeom>
+              <a:avLst/>
+              <a:gdLst/>
+              <a:ahLst/>
+              <a:cxnLst/>
+              <a:rect l="0" t="0" r="r" b="b"/>
+              <a:pathLst>
+                <a:path w="7104" h="2856">
+                  <a:moveTo>
+                    <a:pt x="0" y="0"/>
+                  </a:moveTo>
+                  <a:lnTo>
+                    <a:pt x="0" y="2856"/>
+                  </a:lnTo>
+                  <a:lnTo>
+                    <a:pt x="7104" y="2856"/>
+                  </a:lnTo>
+                  <a:lnTo>
+                    <a:pt x="7104" y="1"/>
+                  </a:lnTo>
+                  <a:lnTo>
+                    <a:pt x="7104" y="1"/>
+                  </a:lnTo>
+                  <a:lnTo>
+                    <a:pt x="6943" y="26"/>
+                  </a:lnTo>
+                  <a:lnTo>
+                    <a:pt x="6782" y="50"/>
+                  </a:lnTo>
+                  <a:lnTo>
+                    <a:pt x="6621" y="73"/>
+                  </a:lnTo>
+                  <a:lnTo>
+                    <a:pt x="6459" y="93"/>
+                  </a:lnTo>
+                  <a:lnTo>
+                    <a:pt x="6298" y="113"/>
+                  </a:lnTo>
+                  <a:lnTo>
+                    <a:pt x="6136" y="132"/>
+                  </a:lnTo>
+                  <a:lnTo>
+                    <a:pt x="5976" y="148"/>
+                  </a:lnTo>
+                  <a:lnTo>
+                    <a:pt x="5814" y="163"/>
+                  </a:lnTo>
+                  <a:lnTo>
+                    <a:pt x="5653" y="177"/>
+                  </a:lnTo>
+                  <a:lnTo>
+                    <a:pt x="5494" y="189"/>
+                  </a:lnTo>
+                  <a:lnTo>
+                    <a:pt x="5334" y="201"/>
+                  </a:lnTo>
+                  <a:lnTo>
+                    <a:pt x="5175" y="211"/>
+                  </a:lnTo>
+                  <a:lnTo>
+                    <a:pt x="5017" y="219"/>
+                  </a:lnTo>
+                  <a:lnTo>
+                    <a:pt x="4859" y="227"/>
+                  </a:lnTo>
+                  <a:lnTo>
+                    <a:pt x="4703" y="234"/>
+                  </a:lnTo>
+                  <a:lnTo>
+                    <a:pt x="4548" y="239"/>
+                  </a:lnTo>
+                  <a:lnTo>
+                    <a:pt x="4393" y="243"/>
+                  </a:lnTo>
+                  <a:lnTo>
+                    <a:pt x="4240" y="247"/>
+                  </a:lnTo>
+                  <a:lnTo>
+                    <a:pt x="4088" y="249"/>
+                  </a:lnTo>
+                  <a:lnTo>
+                    <a:pt x="3937" y="251"/>
+                  </a:lnTo>
+                  <a:lnTo>
+                    <a:pt x="3788" y="252"/>
+                  </a:lnTo>
+                  <a:lnTo>
+                    <a:pt x="3640" y="251"/>
+                  </a:lnTo>
+                  <a:lnTo>
+                    <a:pt x="3494" y="251"/>
+                  </a:lnTo>
+                  <a:lnTo>
+                    <a:pt x="3349" y="249"/>
+                  </a:lnTo>
+                  <a:lnTo>
+                    <a:pt x="3207" y="246"/>
+                  </a:lnTo>
+                  <a:lnTo>
+                    <a:pt x="3066" y="243"/>
+                  </a:lnTo>
+                  <a:lnTo>
+                    <a:pt x="2928" y="240"/>
+                  </a:lnTo>
+                  <a:lnTo>
+                    <a:pt x="2791" y="235"/>
+                  </a:lnTo>
+                  <a:lnTo>
+                    <a:pt x="2656" y="230"/>
+                  </a:lnTo>
+                  <a:lnTo>
+                    <a:pt x="2524" y="225"/>
+                  </a:lnTo>
+                  <a:lnTo>
+                    <a:pt x="2266" y="212"/>
+                  </a:lnTo>
+                  <a:lnTo>
+                    <a:pt x="2019" y="198"/>
+                  </a:lnTo>
+                  <a:lnTo>
+                    <a:pt x="1782" y="183"/>
+                  </a:lnTo>
+                  <a:lnTo>
+                    <a:pt x="1557" y="167"/>
+                  </a:lnTo>
+                  <a:lnTo>
+                    <a:pt x="1343" y="150"/>
+                  </a:lnTo>
+                  <a:lnTo>
+                    <a:pt x="1144" y="132"/>
+                  </a:lnTo>
+                  <a:lnTo>
+                    <a:pt x="957" y="114"/>
+                  </a:lnTo>
+                  <a:lnTo>
+                    <a:pt x="785" y="96"/>
+                  </a:lnTo>
+                  <a:lnTo>
+                    <a:pt x="627" y="79"/>
+                  </a:lnTo>
+                  <a:lnTo>
+                    <a:pt x="487" y="63"/>
+                  </a:lnTo>
+                  <a:lnTo>
+                    <a:pt x="361" y="48"/>
+                  </a:lnTo>
+                  <a:lnTo>
+                    <a:pt x="254" y="35"/>
+                  </a:lnTo>
+                  <a:lnTo>
+                    <a:pt x="165" y="23"/>
+                  </a:lnTo>
+                  <a:lnTo>
+                    <a:pt x="42" y="6"/>
+                  </a:lnTo>
+                  <a:lnTo>
+                    <a:pt x="0" y="0"/>
+                  </a:lnTo>
+                  <a:lnTo>
+                    <a:pt x="0" y="0"/>
+                  </a:lnTo>
+                  <a:close/>
+                </a:path>
+              </a:pathLst>
+            </a:custGeom>
+            <a:solidFill>
+              <a:schemeClr val="bg1"/>
+            </a:solidFill>
+            <a:ln>
+              <a:noFill/>
+            </a:ln>
+          </p:spPr>
+        </p:sp>
+        <p:sp>
+          <p:nvSpPr>
+            <p:cNvPr id="22" name="Freeform 5">
+              <a:extLst>
+                <a:ext uri="{FF2B5EF4-FFF2-40B4-BE49-F238E27FC236}">
+                  <a16:creationId xmlns:a16="http://schemas.microsoft.com/office/drawing/2014/main" id="{1F3EC447-6BFD-478D-BCE7-B572B85BF719}"/>
+                </a:ext>
+                <a:ext uri="{C183D7F6-B498-43B3-948B-1728B52AA6E4}">
+                  <adec:decorative xmlns:adec="http://schemas.microsoft.com/office/drawing/2017/decorative" val="1"/>
+                </a:ext>
+              </a:extLst>
+            </p:cNvPr>
+            <p:cNvSpPr>
+              <a:spLocks noEditPoints="1"/>
+            </p:cNvSpPr>
+            <p:nvPr>
+              <p:extLst>
+                <p:ext uri="{386F3935-93C4-4BCD-93E2-E3B085C9AB24}">
+                  <p16:designElem xmlns:p16="http://schemas.microsoft.com/office/powerpoint/2015/main" val="1"/>
+                </p:ext>
+              </p:extLst>
+            </p:nvPr>
+          </p:nvSpPr>
+          <p:spPr bwMode="gray">
+            <a:xfrm>
+              <a:off x="0" y="1587"/>
+              <a:ext cx="12192000" cy="6856413"/>
+            </a:xfrm>
+            <a:custGeom>
+              <a:avLst/>
+              <a:gdLst/>
+              <a:ahLst/>
+              <a:cxnLst/>
+              <a:rect l="0" t="0" r="r" b="b"/>
+              <a:pathLst>
+                <a:path w="15356" h="8638">
+                  <a:moveTo>
+                    <a:pt x="0" y="0"/>
+                  </a:moveTo>
+                  <a:lnTo>
+                    <a:pt x="0" y="8638"/>
+                  </a:lnTo>
+                  <a:lnTo>
+                    <a:pt x="15356" y="8638"/>
+                  </a:lnTo>
+                  <a:lnTo>
+                    <a:pt x="15356" y="0"/>
+                  </a:lnTo>
+                  <a:lnTo>
+                    <a:pt x="0" y="0"/>
+                  </a:lnTo>
+                  <a:close/>
+                  <a:moveTo>
+                    <a:pt x="14748" y="8038"/>
+                  </a:moveTo>
+                  <a:lnTo>
+                    <a:pt x="600" y="8038"/>
+                  </a:lnTo>
+                  <a:lnTo>
+                    <a:pt x="600" y="592"/>
+                  </a:lnTo>
+                  <a:lnTo>
+                    <a:pt x="14748" y="592"/>
+                  </a:lnTo>
+                  <a:lnTo>
+                    <a:pt x="14748" y="8038"/>
+                  </a:lnTo>
+                  <a:close/>
+                </a:path>
+              </a:pathLst>
+            </a:custGeom>
+            <a:solidFill>
+              <a:schemeClr val="bg1"/>
+            </a:solidFill>
+            <a:ln>
+              <a:noFill/>
+            </a:ln>
+          </p:spPr>
+        </p:sp>
+      </p:grpSp>
+      <p:sp>
+        <p:nvSpPr>
+          <p:cNvPr id="24" name="Rectangle 23">
+            <a:extLst>
+              <a:ext uri="{FF2B5EF4-FFF2-40B4-BE49-F238E27FC236}">
+                <a16:creationId xmlns:a16="http://schemas.microsoft.com/office/drawing/2014/main" id="{19EF6B20-23CA-444F-8D20-3A38184B63CA}"/>
+              </a:ext>
+              <a:ext uri="{C183D7F6-B498-43B3-948B-1728B52AA6E4}">
+                <adec:decorative xmlns:adec="http://schemas.microsoft.com/office/drawing/2017/decorative" val="1"/>
+              </a:ext>
+            </a:extLst>
+          </p:cNvPr>
+          <p:cNvSpPr>
+            <a:spLocks noGrp="1" noRot="1" noChangeAspect="1" noMove="1" noResize="1" noEditPoints="1" noAdjustHandles="1" noChangeArrowheads="1" noChangeShapeType="1" noTextEdit="1"/>
+          </p:cNvSpPr>
+          <p:nvPr>
+            <p:extLst>
+              <p:ext uri="{386F3935-93C4-4BCD-93E2-E3B085C9AB24}">
+                <p16:designElem xmlns:p16="http://schemas.microsoft.com/office/powerpoint/2015/main" val="1"/>
+              </p:ext>
+            </p:extLst>
+          </p:nvPr>
+        </p:nvSpPr>
+        <p:spPr>
+          <a:xfrm>
+            <a:off x="10437812" y="0"/>
+            <a:ext cx="685800" cy="1143000"/>
+          </a:xfrm>
+          <a:prstGeom prst="rect">
+            <a:avLst/>
+          </a:prstGeom>
+          <a:solidFill>
+            <a:schemeClr val="accent1"/>
+          </a:solidFill>
+          <a:ln>
+            <a:noFill/>
+          </a:ln>
+        </p:spPr>
+        <p:style>
+          <a:lnRef idx="1">
+            <a:schemeClr val="accent1"/>
+          </a:lnRef>
+          <a:fillRef idx="3">
+            <a:schemeClr val="accent1"/>
+          </a:fillRef>
+          <a:effectRef idx="2">
+            <a:schemeClr val="accent1"/>
+          </a:effectRef>
+          <a:fontRef idx="minor">
+            <a:schemeClr val="lt1"/>
+          </a:fontRef>
+        </p:style>
+      </p:sp>
+      <p:sp>
+        <p:nvSpPr>
+          <p:cNvPr id="3" name="Content Placeholder 2">
+            <a:extLst>
+              <a:ext uri="{FF2B5EF4-FFF2-40B4-BE49-F238E27FC236}">
+                <a16:creationId xmlns:a16="http://schemas.microsoft.com/office/drawing/2014/main" id="{82D2F392-77A5-C29B-F6D9-5C3EDB6DE9D0}"/>
+              </a:ext>
+            </a:extLst>
+          </p:cNvPr>
+          <p:cNvSpPr>
+            <a:spLocks noGrp="1"/>
+          </p:cNvSpPr>
+          <p:nvPr>
+            <p:ph idx="4294967295"/>
+          </p:nvPr>
+        </p:nvSpPr>
+        <p:spPr>
+          <a:xfrm>
+            <a:off x="1154954" y="2603500"/>
+            <a:ext cx="5211979" cy="3416300"/>
+          </a:xfrm>
+        </p:spPr>
+        <p:txBody>
+          <a:bodyPr vert="horz" lIns="91440" tIns="45720" rIns="91440" bIns="45720" rtlCol="0" anchor="ctr">
+            <a:normAutofit/>
+          </a:bodyPr>
+          <a:lstStyle/>
+          <a:p>
+            <a:r>
+              <a:rPr lang="en-US">
+                <a:effectLst/>
+              </a:rPr>
+              <a:t>Email_to: raul.leal@thefuturepartners.nl</a:t>
+            </a:r>
+          </a:p>
+          <a:p>
+            <a:endParaRPr lang="en-US"/>
+          </a:p>
+        </p:txBody>
+      </p:sp>
+      <p:sp>
+        <p:nvSpPr>
+          <p:cNvPr id="5" name="TextBox 4">
+            <a:extLst>
+              <a:ext uri="{FF2B5EF4-FFF2-40B4-BE49-F238E27FC236}">
+                <a16:creationId xmlns:a16="http://schemas.microsoft.com/office/drawing/2014/main" id="{19FFE2C6-E3AF-DCA7-35E7-1760BA37E3F9}"/>
+              </a:ext>
+            </a:extLst>
+          </p:cNvPr>
+          <p:cNvSpPr txBox="1"/>
+          <p:nvPr/>
+        </p:nvSpPr>
+        <p:spPr>
+          <a:xfrm>
+            <a:off x="8047784" y="3516392"/>
+            <a:ext cx="3095973" cy="250197"/>
+          </a:xfrm>
+          <a:prstGeom prst="rect">
+            <a:avLst/>
+          </a:prstGeom>
+          <a:noFill/>
+        </p:spPr>
+        <p:txBody>
+          <a:bodyPr wrap="square">
+            <a:spAutoFit/>
+          </a:bodyPr>
+          <a:lstStyle/>
+          <a:p>
+            <a:pPr defTabSz="260604">
+              <a:spcAft>
+                <a:spcPts val="600"/>
+              </a:spcAft>
+            </a:pPr>
+            <a:r>
+              <a:rPr lang="en-GB" sz="1026" kern="1200">
+                <a:solidFill>
+                  <a:schemeClr val="tx1"/>
+                </a:solidFill>
+                <a:latin typeface="+mn-lt"/>
+                <a:ea typeface="+mn-ea"/>
+                <a:cs typeface="+mn-cs"/>
+              </a:rPr>
+              <a:t>https://</a:t>
+            </a:r>
+            <a:r>
+              <a:rPr lang="en-GB" sz="1026" kern="1200" err="1">
+                <a:solidFill>
+                  <a:schemeClr val="tx1"/>
+                </a:solidFill>
+                <a:latin typeface="+mn-lt"/>
+                <a:ea typeface="+mn-ea"/>
+                <a:cs typeface="+mn-cs"/>
+              </a:rPr>
+              <a:t>www.instagram.com</a:t>
+            </a:r>
+            <a:r>
+              <a:rPr lang="en-GB" sz="1026" kern="1200">
+                <a:solidFill>
+                  <a:schemeClr val="tx1"/>
+                </a:solidFill>
+                <a:latin typeface="+mn-lt"/>
+                <a:ea typeface="+mn-ea"/>
+                <a:cs typeface="+mn-cs"/>
+              </a:rPr>
+              <a:t>/</a:t>
+            </a:r>
+            <a:r>
+              <a:rPr lang="en-GB" sz="1026" kern="1200" err="1">
+                <a:solidFill>
+                  <a:schemeClr val="tx1"/>
+                </a:solidFill>
+                <a:latin typeface="+mn-lt"/>
+                <a:ea typeface="+mn-ea"/>
+                <a:cs typeface="+mn-cs"/>
+              </a:rPr>
+              <a:t>raul.andres.leal</a:t>
+            </a:r>
+            <a:r>
+              <a:rPr lang="en-GB" sz="1026" kern="1200">
+                <a:solidFill>
+                  <a:schemeClr val="tx1"/>
+                </a:solidFill>
+                <a:latin typeface="+mn-lt"/>
+                <a:ea typeface="+mn-ea"/>
+                <a:cs typeface="+mn-cs"/>
+              </a:rPr>
+              <a:t>/</a:t>
+            </a:r>
+            <a:endParaRPr lang="en-GB"/>
+          </a:p>
+        </p:txBody>
+      </p:sp>
+      <p:pic>
+        <p:nvPicPr>
+          <p:cNvPr id="7" name="Picture 6" descr="A qr code on a white background&#10;&#10;Description automatically generated">
+            <a:extLst>
+              <a:ext uri="{FF2B5EF4-FFF2-40B4-BE49-F238E27FC236}">
+                <a16:creationId xmlns:a16="http://schemas.microsoft.com/office/drawing/2014/main" id="{0822B5D0-8BB1-4409-BB85-3521C9B4A847}"/>
+              </a:ext>
+            </a:extLst>
+          </p:cNvPr>
+          <p:cNvPicPr>
+            <a:picLocks noChangeAspect="1"/>
+          </p:cNvPicPr>
+          <p:nvPr/>
+        </p:nvPicPr>
+        <p:blipFill>
+          <a:blip r:embed="rId3"/>
+          <a:stretch>
+            <a:fillRect/>
+          </a:stretch>
+        </p:blipFill>
+        <p:spPr>
+          <a:xfrm>
+            <a:off x="6798733" y="4396182"/>
+            <a:ext cx="1054329" cy="1054329"/>
+          </a:xfrm>
+          <a:prstGeom prst="rect">
+            <a:avLst/>
+          </a:prstGeom>
+        </p:spPr>
+      </p:pic>
+      <p:pic>
+        <p:nvPicPr>
+          <p:cNvPr id="9" name="Picture 8" descr="A qr code on a white background&#10;&#10;Description automatically generated">
+            <a:extLst>
+              <a:ext uri="{FF2B5EF4-FFF2-40B4-BE49-F238E27FC236}">
+                <a16:creationId xmlns:a16="http://schemas.microsoft.com/office/drawing/2014/main" id="{212222A3-F419-0152-5875-2C2A90364C13}"/>
+              </a:ext>
+            </a:extLst>
+          </p:cNvPr>
+          <p:cNvPicPr>
+            <a:picLocks noChangeAspect="1"/>
+          </p:cNvPicPr>
+          <p:nvPr/>
+        </p:nvPicPr>
+        <p:blipFill>
+          <a:blip r:embed="rId4"/>
+          <a:stretch>
+            <a:fillRect/>
+          </a:stretch>
+        </p:blipFill>
+        <p:spPr>
+          <a:xfrm>
+            <a:off x="6798733" y="3168553"/>
+            <a:ext cx="1054329" cy="1054329"/>
+          </a:xfrm>
+          <a:prstGeom prst="rect">
+            <a:avLst/>
+          </a:prstGeom>
+        </p:spPr>
+      </p:pic>
+      <p:sp>
+        <p:nvSpPr>
+          <p:cNvPr id="10" name="TextBox 9">
+            <a:extLst>
+              <a:ext uri="{FF2B5EF4-FFF2-40B4-BE49-F238E27FC236}">
+                <a16:creationId xmlns:a16="http://schemas.microsoft.com/office/drawing/2014/main" id="{41D6F0F9-69F1-6EEF-DE13-B99EBF586A29}"/>
+              </a:ext>
+            </a:extLst>
+          </p:cNvPr>
+          <p:cNvSpPr txBox="1"/>
+          <p:nvPr/>
+        </p:nvSpPr>
+        <p:spPr>
+          <a:xfrm>
+            <a:off x="8072070" y="4817184"/>
+            <a:ext cx="1473480" cy="250197"/>
+          </a:xfrm>
+          <a:prstGeom prst="rect">
+            <a:avLst/>
+          </a:prstGeom>
+          <a:noFill/>
+        </p:spPr>
+        <p:txBody>
+          <a:bodyPr wrap="none" rtlCol="0">
+            <a:spAutoFit/>
+          </a:bodyPr>
+          <a:lstStyle/>
+          <a:p>
+            <a:pPr defTabSz="260604">
+              <a:spcAft>
+                <a:spcPts val="600"/>
+              </a:spcAft>
+            </a:pPr>
+            <a:r>
+              <a:rPr lang="en-GB" sz="1026" kern="1200">
+                <a:solidFill>
+                  <a:schemeClr val="tx1"/>
+                </a:solidFill>
+                <a:latin typeface="+mn-lt"/>
+                <a:ea typeface="+mn-ea"/>
+                <a:cs typeface="+mn-cs"/>
+              </a:rPr>
+              <a:t>https://</a:t>
+            </a:r>
+            <a:r>
+              <a:rPr lang="en-GB" sz="1026" kern="1200" err="1">
+                <a:solidFill>
+                  <a:schemeClr val="tx1"/>
+                </a:solidFill>
+                <a:latin typeface="+mn-lt"/>
+                <a:ea typeface="+mn-ea"/>
+                <a:cs typeface="+mn-cs"/>
+              </a:rPr>
+              <a:t>rauleal.com</a:t>
+            </a:r>
+            <a:r>
+              <a:rPr lang="en-GB" sz="1026" kern="1200">
+                <a:solidFill>
+                  <a:schemeClr val="tx1"/>
+                </a:solidFill>
+                <a:latin typeface="+mn-lt"/>
+                <a:ea typeface="+mn-ea"/>
+                <a:cs typeface="+mn-cs"/>
+              </a:rPr>
+              <a:t>/</a:t>
+            </a:r>
+            <a:endParaRPr lang="en-GB"/>
+          </a:p>
+        </p:txBody>
+      </p:sp>
+    </p:spTree>
+    <p:extLst>
+      <p:ext uri="{BB962C8B-B14F-4D97-AF65-F5344CB8AC3E}">
+        <p14:creationId xmlns:p14="http://schemas.microsoft.com/office/powerpoint/2010/main" val="4023234674"/>
+      </p:ext>
+    </p:extLst>
+  </p:cSld>
+  <p:clrMapOvr>
+    <a:masterClrMapping/>
+  </p:clrMapOvr>
+</p:sld>
+</file>
+
+<file path=ppt/slides/slide8.xml><?xml version="1.0" encoding="utf-8"?>
+<p:sld xmlns:a="http://schemas.openxmlformats.org/drawingml/2006/main" xmlns:r="http://schemas.openxmlformats.org/officeDocument/2006/relationships" xmlns:p="http://schemas.openxmlformats.org/presentationml/2006/main">
+  <p:cSld>
+    <p:bg>
+      <p:bgPr>
+        <a:solidFill>
+          <a:schemeClr val="bg1"/>
+        </a:solidFill>
+        <a:effectLst/>
+      </p:bgPr>
+    </p:bg>
+    <p:spTree>
+      <p:nvGrpSpPr>
+        <p:cNvPr id="1" name=""/>
+        <p:cNvGrpSpPr/>
+        <p:nvPr/>
+      </p:nvGrpSpPr>
+      <p:grpSpPr>
+        <a:xfrm>
+          <a:off x="0" y="0"/>
+          <a:ext cx="0" cy="0"/>
+          <a:chOff x="0" y="0"/>
+          <a:chExt cx="0" cy="0"/>
+        </a:xfrm>
+      </p:grpSpPr>
+      <p:sp>
+        <p:nvSpPr>
+          <p:cNvPr id="2" name="Title 1">
+            <a:extLst>
+              <a:ext uri="{FF2B5EF4-FFF2-40B4-BE49-F238E27FC236}">
+                <a16:creationId xmlns:a16="http://schemas.microsoft.com/office/drawing/2014/main" id="{1456509C-DE2D-E29A-0641-3ADFB676E85C}"/>
+              </a:ext>
+            </a:extLst>
+          </p:cNvPr>
+          <p:cNvSpPr>
+            <a:spLocks noGrp="1"/>
+          </p:cNvSpPr>
+          <p:nvPr>
+            <p:ph type="title"/>
+          </p:nvPr>
+        </p:nvSpPr>
+        <p:spPr>
+          <a:xfrm>
+            <a:off x="1154954" y="973669"/>
+            <a:ext cx="8825659" cy="706964"/>
+          </a:xfrm>
+        </p:spPr>
+        <p:txBody>
+          <a:bodyPr>
+            <a:normAutofit/>
+          </a:bodyPr>
+          <a:lstStyle/>
+          <a:p>
+            <a:r>
+              <a:rPr lang="en-GB" dirty="0"/>
+              <a:t>Git repository for this course</a:t>
+            </a:r>
+          </a:p>
+        </p:txBody>
+      </p:sp>
+      <p:pic>
+        <p:nvPicPr>
+          <p:cNvPr id="5" name="Picture 4" descr="A qr code on a white background&#10;&#10;Description automatically generated">
+            <a:extLst>
+              <a:ext uri="{FF2B5EF4-FFF2-40B4-BE49-F238E27FC236}">
+                <a16:creationId xmlns:a16="http://schemas.microsoft.com/office/drawing/2014/main" id="{3DBAB8EB-3E74-3767-ECD7-FDF0A9E09052}"/>
+              </a:ext>
+            </a:extLst>
+          </p:cNvPr>
+          <p:cNvPicPr>
+            <a:picLocks noChangeAspect="1"/>
+          </p:cNvPicPr>
+          <p:nvPr/>
+        </p:nvPicPr>
+        <p:blipFill>
+          <a:blip r:embed="rId2"/>
+          <a:stretch>
+            <a:fillRect/>
+          </a:stretch>
+        </p:blipFill>
+        <p:spPr>
+          <a:xfrm>
+            <a:off x="1790397" y="2775951"/>
+            <a:ext cx="3067163" cy="3067163"/>
+          </a:xfrm>
+          <a:prstGeom prst="roundRect">
+            <a:avLst>
+              <a:gd name="adj" fmla="val 1858"/>
+            </a:avLst>
+          </a:prstGeom>
+          <a:effectLst>
+            <a:outerShdw blurRad="50800" dist="50800" dir="5400000" algn="tl" rotWithShape="0">
+              <a:srgbClr val="000000">
+                <a:alpha val="43000"/>
+              </a:srgbClr>
+            </a:outerShdw>
+          </a:effectLst>
+        </p:spPr>
+      </p:pic>
+      <p:sp>
+        <p:nvSpPr>
+          <p:cNvPr id="3" name="Content Placeholder 2">
+            <a:extLst>
+              <a:ext uri="{FF2B5EF4-FFF2-40B4-BE49-F238E27FC236}">
+                <a16:creationId xmlns:a16="http://schemas.microsoft.com/office/drawing/2014/main" id="{81E36EF8-C069-FFA9-CB2B-B4827089AB45}"/>
+              </a:ext>
+            </a:extLst>
+          </p:cNvPr>
+          <p:cNvSpPr>
+            <a:spLocks noGrp="1"/>
+          </p:cNvSpPr>
+          <p:nvPr>
+            <p:ph idx="1"/>
+          </p:nvPr>
+        </p:nvSpPr>
+        <p:spPr>
+          <a:xfrm>
+            <a:off x="5980954" y="2603500"/>
+            <a:ext cx="5211979" cy="3416300"/>
+          </a:xfrm>
+        </p:spPr>
+        <p:txBody>
+          <a:bodyPr anchor="ctr">
+            <a:normAutofit/>
+          </a:bodyPr>
+          <a:lstStyle/>
+          <a:p>
+            <a:r>
+              <a:rPr lang="en-GB" dirty="0">
+                <a:hlinkClick r:id="rId3"/>
+              </a:rPr>
+              <a:t>https://github.com/Rauleal/Immersive_enviroments_hva</a:t>
+            </a:r>
+            <a:endParaRPr lang="en-GB" dirty="0"/>
+          </a:p>
+          <a:p>
+            <a:endParaRPr lang="en-GB" dirty="0"/>
+          </a:p>
+          <a:p>
+            <a:endParaRPr lang="en-GB" dirty="0"/>
+          </a:p>
+        </p:txBody>
+      </p:sp>
+    </p:spTree>
+    <p:extLst>
+      <p:ext uri="{BB962C8B-B14F-4D97-AF65-F5344CB8AC3E}">
+        <p14:creationId xmlns:p14="http://schemas.microsoft.com/office/powerpoint/2010/main" val="22761770"/>
+      </p:ext>
+    </p:extLst>
+  </p:cSld>
+  <p:clrMapOvr>
+    <a:masterClrMapping/>
+  </p:clrMapOvr>
+</p:sld>
+</file>
+
+<file path=ppt/slides/slide9.xml><?xml version="1.0" encoding="utf-8"?>
 <p:sld xmlns:a="http://schemas.openxmlformats.org/drawingml/2006/main" xmlns:r="http://schemas.openxmlformats.org/officeDocument/2006/relationships" xmlns:p="http://schemas.openxmlformats.org/presentationml/2006/main">
   <p:cSld>
     <p:bg>
@@ -19349,401 +22072,6 @@
 </p:sld>
 </file>
 
-<file path=ppt/slides/slide5.xml><?xml version="1.0" encoding="utf-8"?>
-<p:sld xmlns:a="http://schemas.openxmlformats.org/drawingml/2006/main" xmlns:r="http://schemas.openxmlformats.org/officeDocument/2006/relationships" xmlns:p="http://schemas.openxmlformats.org/presentationml/2006/main">
-  <p:cSld>
-    <p:bg>
-      <p:bgPr>
-        <a:solidFill>
-          <a:schemeClr val="bg1"/>
-        </a:solidFill>
-        <a:effectLst/>
-      </p:bgPr>
-    </p:bg>
-    <p:spTree>
-      <p:nvGrpSpPr>
-        <p:cNvPr id="1" name=""/>
-        <p:cNvGrpSpPr/>
-        <p:nvPr/>
-      </p:nvGrpSpPr>
-      <p:grpSpPr>
-        <a:xfrm>
-          <a:off x="0" y="0"/>
-          <a:ext cx="0" cy="0"/>
-          <a:chOff x="0" y="0"/>
-          <a:chExt cx="0" cy="0"/>
-        </a:xfrm>
-      </p:grpSpPr>
-      <p:sp>
-        <p:nvSpPr>
-          <p:cNvPr id="2" name="Title 1">
-            <a:extLst>
-              <a:ext uri="{FF2B5EF4-FFF2-40B4-BE49-F238E27FC236}">
-                <a16:creationId xmlns:a16="http://schemas.microsoft.com/office/drawing/2014/main" id="{1456509C-DE2D-E29A-0641-3ADFB676E85C}"/>
-              </a:ext>
-            </a:extLst>
-          </p:cNvPr>
-          <p:cNvSpPr>
-            <a:spLocks noGrp="1"/>
-          </p:cNvSpPr>
-          <p:nvPr>
-            <p:ph type="title"/>
-          </p:nvPr>
-        </p:nvSpPr>
-        <p:spPr>
-          <a:xfrm>
-            <a:off x="1154954" y="973669"/>
-            <a:ext cx="8825659" cy="706964"/>
-          </a:xfrm>
-        </p:spPr>
-        <p:txBody>
-          <a:bodyPr>
-            <a:normAutofit/>
-          </a:bodyPr>
-          <a:lstStyle/>
-          <a:p>
-            <a:r>
-              <a:rPr lang="en-GB" dirty="0"/>
-              <a:t>Git repository for this course</a:t>
-            </a:r>
-          </a:p>
-        </p:txBody>
-      </p:sp>
-      <p:pic>
-        <p:nvPicPr>
-          <p:cNvPr id="5" name="Picture 4" descr="A qr code on a white background&#10;&#10;Description automatically generated">
-            <a:extLst>
-              <a:ext uri="{FF2B5EF4-FFF2-40B4-BE49-F238E27FC236}">
-                <a16:creationId xmlns:a16="http://schemas.microsoft.com/office/drawing/2014/main" id="{3DBAB8EB-3E74-3767-ECD7-FDF0A9E09052}"/>
-              </a:ext>
-            </a:extLst>
-          </p:cNvPr>
-          <p:cNvPicPr>
-            <a:picLocks noChangeAspect="1"/>
-          </p:cNvPicPr>
-          <p:nvPr/>
-        </p:nvPicPr>
-        <p:blipFill>
-          <a:blip r:embed="rId2"/>
-          <a:stretch>
-            <a:fillRect/>
-          </a:stretch>
-        </p:blipFill>
-        <p:spPr>
-          <a:xfrm>
-            <a:off x="1790397" y="2775951"/>
-            <a:ext cx="3067163" cy="3067163"/>
-          </a:xfrm>
-          <a:prstGeom prst="roundRect">
-            <a:avLst>
-              <a:gd name="adj" fmla="val 1858"/>
-            </a:avLst>
-          </a:prstGeom>
-          <a:effectLst>
-            <a:outerShdw blurRad="50800" dist="50800" dir="5400000" algn="tl" rotWithShape="0">
-              <a:srgbClr val="000000">
-                <a:alpha val="43000"/>
-              </a:srgbClr>
-            </a:outerShdw>
-          </a:effectLst>
-        </p:spPr>
-      </p:pic>
-      <p:sp>
-        <p:nvSpPr>
-          <p:cNvPr id="3" name="Content Placeholder 2">
-            <a:extLst>
-              <a:ext uri="{FF2B5EF4-FFF2-40B4-BE49-F238E27FC236}">
-                <a16:creationId xmlns:a16="http://schemas.microsoft.com/office/drawing/2014/main" id="{81E36EF8-C069-FFA9-CB2B-B4827089AB45}"/>
-              </a:ext>
-            </a:extLst>
-          </p:cNvPr>
-          <p:cNvSpPr>
-            <a:spLocks noGrp="1"/>
-          </p:cNvSpPr>
-          <p:nvPr>
-            <p:ph idx="1"/>
-          </p:nvPr>
-        </p:nvSpPr>
-        <p:spPr>
-          <a:xfrm>
-            <a:off x="5980954" y="2603500"/>
-            <a:ext cx="5211979" cy="3416300"/>
-          </a:xfrm>
-        </p:spPr>
-        <p:txBody>
-          <a:bodyPr anchor="ctr">
-            <a:normAutofit/>
-          </a:bodyPr>
-          <a:lstStyle/>
-          <a:p>
-            <a:r>
-              <a:rPr lang="en-GB" dirty="0">
-                <a:hlinkClick r:id="rId3"/>
-              </a:rPr>
-              <a:t>https://github.com/Rauleal/Immersive_enviroments_hva</a:t>
-            </a:r>
-            <a:endParaRPr lang="en-GB" dirty="0"/>
-          </a:p>
-          <a:p>
-            <a:endParaRPr lang="en-GB" dirty="0"/>
-          </a:p>
-          <a:p>
-            <a:endParaRPr lang="en-GB" dirty="0"/>
-          </a:p>
-        </p:txBody>
-      </p:sp>
-    </p:spTree>
-    <p:extLst>
-      <p:ext uri="{BB962C8B-B14F-4D97-AF65-F5344CB8AC3E}">
-        <p14:creationId xmlns:p14="http://schemas.microsoft.com/office/powerpoint/2010/main" val="22761770"/>
-      </p:ext>
-    </p:extLst>
-  </p:cSld>
-  <p:clrMapOvr>
-    <a:masterClrMapping/>
-  </p:clrMapOvr>
-</p:sld>
-</file>
-
-<file path=ppt/slides/slide6.xml><?xml version="1.0" encoding="utf-8"?>
-<p:sld xmlns:a="http://schemas.openxmlformats.org/drawingml/2006/main" xmlns:r="http://schemas.openxmlformats.org/officeDocument/2006/relationships" xmlns:p="http://schemas.openxmlformats.org/presentationml/2006/main">
-  <p:cSld>
-    <p:spTree>
-      <p:nvGrpSpPr>
-        <p:cNvPr id="1" name=""/>
-        <p:cNvGrpSpPr/>
-        <p:nvPr/>
-      </p:nvGrpSpPr>
-      <p:grpSpPr>
-        <a:xfrm>
-          <a:off x="0" y="0"/>
-          <a:ext cx="0" cy="0"/>
-          <a:chOff x="0" y="0"/>
-          <a:chExt cx="0" cy="0"/>
-        </a:xfrm>
-      </p:grpSpPr>
-      <p:sp>
-        <p:nvSpPr>
-          <p:cNvPr id="2" name="Title 1">
-            <a:extLst>
-              <a:ext uri="{FF2B5EF4-FFF2-40B4-BE49-F238E27FC236}">
-                <a16:creationId xmlns:a16="http://schemas.microsoft.com/office/drawing/2014/main" id="{967A677A-695F-CDF9-5D4D-1351E91996AF}"/>
-              </a:ext>
-            </a:extLst>
-          </p:cNvPr>
-          <p:cNvSpPr>
-            <a:spLocks noGrp="1"/>
-          </p:cNvSpPr>
-          <p:nvPr>
-            <p:ph type="title"/>
-          </p:nvPr>
-        </p:nvSpPr>
-        <p:spPr/>
-        <p:txBody>
-          <a:bodyPr/>
-          <a:lstStyle/>
-          <a:p>
-            <a:r>
-              <a:rPr lang="en-GB" dirty="0"/>
-              <a:t>Interesting Artist/tutorials</a:t>
-            </a:r>
-          </a:p>
-        </p:txBody>
-      </p:sp>
-      <p:graphicFrame>
-        <p:nvGraphicFramePr>
-          <p:cNvPr id="4" name="Content Placeholder 3">
-            <a:extLst>
-              <a:ext uri="{FF2B5EF4-FFF2-40B4-BE49-F238E27FC236}">
-                <a16:creationId xmlns:a16="http://schemas.microsoft.com/office/drawing/2014/main" id="{2DBB95A8-F267-FFAE-C633-55B65A84EF5C}"/>
-              </a:ext>
-            </a:extLst>
-          </p:cNvPr>
-          <p:cNvGraphicFramePr>
-            <a:graphicFrameLocks noGrp="1"/>
-          </p:cNvGraphicFramePr>
-          <p:nvPr>
-            <p:ph idx="1"/>
-            <p:extLst>
-              <p:ext uri="{D42A27DB-BD31-4B8C-83A1-F6EECF244321}">
-                <p14:modId xmlns:p14="http://schemas.microsoft.com/office/powerpoint/2010/main" val="3786216147"/>
-              </p:ext>
-            </p:extLst>
-          </p:nvPr>
-        </p:nvGraphicFramePr>
-        <p:xfrm>
-          <a:off x="1154954" y="2603500"/>
-          <a:ext cx="8825659" cy="3416300"/>
-        </p:xfrm>
-        <a:graphic>
-          <a:graphicData uri="http://schemas.openxmlformats.org/drawingml/2006/diagram">
-            <dgm:relIds xmlns:dgm="http://schemas.openxmlformats.org/drawingml/2006/diagram" xmlns:r="http://schemas.openxmlformats.org/officeDocument/2006/relationships" r:dm="rId2" r:lo="rId3" r:qs="rId4" r:cs="rId5"/>
-          </a:graphicData>
-        </a:graphic>
-      </p:graphicFrame>
-      <p:pic>
-        <p:nvPicPr>
-          <p:cNvPr id="8" name="Picture 7" descr="A qr code on a white background&#10;&#10;Description automatically generated">
-            <a:extLst>
-              <a:ext uri="{FF2B5EF4-FFF2-40B4-BE49-F238E27FC236}">
-                <a16:creationId xmlns:a16="http://schemas.microsoft.com/office/drawing/2014/main" id="{960A7ABB-48D3-A828-2F04-DD9DA71BD133}"/>
-              </a:ext>
-            </a:extLst>
-          </p:cNvPr>
-          <p:cNvPicPr>
-            <a:picLocks noChangeAspect="1"/>
-          </p:cNvPicPr>
-          <p:nvPr/>
-        </p:nvPicPr>
-        <p:blipFill>
-          <a:blip r:embed="rId7"/>
-          <a:stretch>
-            <a:fillRect/>
-          </a:stretch>
-        </p:blipFill>
-        <p:spPr>
-          <a:xfrm>
-            <a:off x="1705396" y="2572504"/>
-            <a:ext cx="949989" cy="949989"/>
-          </a:xfrm>
-          <a:prstGeom prst="rect">
-            <a:avLst/>
-          </a:prstGeom>
-        </p:spPr>
-      </p:pic>
-      <p:pic>
-        <p:nvPicPr>
-          <p:cNvPr id="10" name="Picture 9" descr="A qr code on a white background&#10;&#10;Description automatically generated">
-            <a:extLst>
-              <a:ext uri="{FF2B5EF4-FFF2-40B4-BE49-F238E27FC236}">
-                <a16:creationId xmlns:a16="http://schemas.microsoft.com/office/drawing/2014/main" id="{0F7E4684-3408-A1B2-E08C-C629A1EAC688}"/>
-              </a:ext>
-            </a:extLst>
-          </p:cNvPr>
-          <p:cNvPicPr>
-            <a:picLocks noChangeAspect="1"/>
-          </p:cNvPicPr>
-          <p:nvPr/>
-        </p:nvPicPr>
-        <p:blipFill>
-          <a:blip r:embed="rId8"/>
-          <a:stretch>
-            <a:fillRect/>
-          </a:stretch>
-        </p:blipFill>
-        <p:spPr>
-          <a:xfrm>
-            <a:off x="4400012" y="2566836"/>
-            <a:ext cx="949989" cy="949989"/>
-          </a:xfrm>
-          <a:prstGeom prst="rect">
-            <a:avLst/>
-          </a:prstGeom>
-        </p:spPr>
-      </p:pic>
-      <p:pic>
-        <p:nvPicPr>
-          <p:cNvPr id="12" name="Picture 11" descr="A qr code on a white background&#10;&#10;Description automatically generated">
-            <a:extLst>
-              <a:ext uri="{FF2B5EF4-FFF2-40B4-BE49-F238E27FC236}">
-                <a16:creationId xmlns:a16="http://schemas.microsoft.com/office/drawing/2014/main" id="{0CF5E293-185E-48AF-2D9E-2600E18276AB}"/>
-              </a:ext>
-            </a:extLst>
-          </p:cNvPr>
-          <p:cNvPicPr>
-            <a:picLocks noChangeAspect="1"/>
-          </p:cNvPicPr>
-          <p:nvPr/>
-        </p:nvPicPr>
-        <p:blipFill>
-          <a:blip r:embed="rId9"/>
-          <a:stretch>
-            <a:fillRect/>
-          </a:stretch>
-        </p:blipFill>
-        <p:spPr>
-          <a:xfrm>
-            <a:off x="7094628" y="2566836"/>
-            <a:ext cx="950400" cy="950400"/>
-          </a:xfrm>
-          <a:prstGeom prst="rect">
-            <a:avLst/>
-          </a:prstGeom>
-        </p:spPr>
-      </p:pic>
-      <p:pic>
-        <p:nvPicPr>
-          <p:cNvPr id="14" name="Picture 13" descr="A qr code on a white background&#10;&#10;Description automatically generated">
-            <a:extLst>
-              <a:ext uri="{FF2B5EF4-FFF2-40B4-BE49-F238E27FC236}">
-                <a16:creationId xmlns:a16="http://schemas.microsoft.com/office/drawing/2014/main" id="{60FB398E-EF54-AE06-5664-AEB78C588832}"/>
-              </a:ext>
-            </a:extLst>
-          </p:cNvPr>
-          <p:cNvPicPr>
-            <a:picLocks noChangeAspect="1"/>
-          </p:cNvPicPr>
-          <p:nvPr/>
-        </p:nvPicPr>
-        <p:blipFill>
-          <a:blip r:embed="rId10"/>
-          <a:stretch>
-            <a:fillRect/>
-          </a:stretch>
-        </p:blipFill>
-        <p:spPr>
-          <a:xfrm>
-            <a:off x="3036161" y="4166246"/>
-            <a:ext cx="950400" cy="950400"/>
-          </a:xfrm>
-          <a:prstGeom prst="rect">
-            <a:avLst/>
-          </a:prstGeom>
-        </p:spPr>
-      </p:pic>
-      <p:pic>
-        <p:nvPicPr>
-          <p:cNvPr id="16" name="Picture 15" descr="A qr code with a black and white background&#10;&#10;Description automatically generated">
-            <a:extLst>
-              <a:ext uri="{FF2B5EF4-FFF2-40B4-BE49-F238E27FC236}">
-                <a16:creationId xmlns:a16="http://schemas.microsoft.com/office/drawing/2014/main" id="{FAA9F544-9B8E-5F8C-B529-2C31E0098BEE}"/>
-              </a:ext>
-            </a:extLst>
-          </p:cNvPr>
-          <p:cNvPicPr>
-            <a:picLocks noChangeAspect="1"/>
-          </p:cNvPicPr>
-          <p:nvPr/>
-        </p:nvPicPr>
-        <p:blipFill>
-          <a:blip r:embed="rId11"/>
-          <a:stretch>
-            <a:fillRect/>
-          </a:stretch>
-        </p:blipFill>
-        <p:spPr>
-          <a:xfrm>
-            <a:off x="5736693" y="4280654"/>
-            <a:ext cx="950400" cy="950400"/>
-          </a:xfrm>
-          <a:prstGeom prst="rect">
-            <a:avLst/>
-          </a:prstGeom>
-        </p:spPr>
-      </p:pic>
-    </p:spTree>
-    <p:extLst>
-      <p:ext uri="{BB962C8B-B14F-4D97-AF65-F5344CB8AC3E}">
-        <p14:creationId xmlns:p14="http://schemas.microsoft.com/office/powerpoint/2010/main" val="3504673582"/>
-      </p:ext>
-    </p:extLst>
-  </p:cSld>
-  <p:clrMapOvr>
-    <a:masterClrMapping/>
-  </p:clrMapOvr>
-</p:sld>
-</file>
-
 <file path=ppt/theme/theme1.xml><?xml version="1.0" encoding="utf-8"?>
 <a:theme xmlns:a="http://schemas.openxmlformats.org/drawingml/2006/main" name="Ion Boardroom">
   <a:themeElements>

--- a/basic_workshop_TD/Workshop_presentation.pptx
+++ b/basic_workshop_TD/Workshop_presentation.pptx
@@ -113,6 +113,11 @@
       </a:defRPr>
     </a:lvl9pPr>
   </p:defaultTextStyle>
+  <p:extLst>
+    <p:ext uri="{EFAFB233-063F-42B5-8137-9DF3F51BA10A}">
+      <p15:sldGuideLst xmlns:p15="http://schemas.microsoft.com/office/powerpoint/2012/main"/>
+    </p:ext>
+  </p:extLst>
 </p:presentation>
 </file>
 
@@ -4731,7 +4736,7 @@
             <a:fld id="{B61BEF0D-F0BB-DE4B-95CE-6DB70DBA9567}" type="datetimeFigureOut">
               <a:rPr lang="en-US" smtClean="0"/>
               <a:pPr/>
-              <a:t>10/15/23</a:t>
+              <a:t>10/16/23</a:t>
             </a:fld>
             <a:endParaRPr lang="en-US" dirty="0"/>
           </a:p>
@@ -5715,7 +5720,7 @@
             <a:fld id="{B61BEF0D-F0BB-DE4B-95CE-6DB70DBA9567}" type="datetimeFigureOut">
               <a:rPr lang="en-US" smtClean="0"/>
               <a:pPr/>
-              <a:t>10/15/23</a:t>
+              <a:t>10/16/23</a:t>
             </a:fld>
             <a:endParaRPr lang="en-US" dirty="0"/>
           </a:p>
@@ -6587,7 +6592,7 @@
             <a:fld id="{B61BEF0D-F0BB-DE4B-95CE-6DB70DBA9567}" type="datetimeFigureOut">
               <a:rPr lang="en-US" smtClean="0"/>
               <a:pPr/>
-              <a:t>10/15/23</a:t>
+              <a:t>10/16/23</a:t>
             </a:fld>
             <a:endParaRPr lang="en-US" dirty="0"/>
           </a:p>
@@ -7610,7 +7615,7 @@
             <a:fld id="{B61BEF0D-F0BB-DE4B-95CE-6DB70DBA9567}" type="datetimeFigureOut">
               <a:rPr lang="en-US" smtClean="0"/>
               <a:pPr/>
-              <a:t>10/15/23</a:t>
+              <a:t>10/16/23</a:t>
             </a:fld>
             <a:endParaRPr lang="en-US" dirty="0"/>
           </a:p>
@@ -8532,7 +8537,7 @@
             <a:fld id="{B61BEF0D-F0BB-DE4B-95CE-6DB70DBA9567}" type="datetimeFigureOut">
               <a:rPr lang="en-US" smtClean="0"/>
               <a:pPr/>
-              <a:t>10/15/23</a:t>
+              <a:t>10/16/23</a:t>
             </a:fld>
             <a:endParaRPr lang="en-US" dirty="0"/>
           </a:p>
@@ -9190,7 +9195,7 @@
             <a:fld id="{B61BEF0D-F0BB-DE4B-95CE-6DB70DBA9567}" type="datetimeFigureOut">
               <a:rPr lang="en-US" smtClean="0"/>
               <a:pPr/>
-              <a:t>10/15/23</a:t>
+              <a:t>10/16/23</a:t>
             </a:fld>
             <a:endParaRPr lang="en-US" dirty="0"/>
           </a:p>
@@ -10049,7 +10054,7 @@
             <a:fld id="{B61BEF0D-F0BB-DE4B-95CE-6DB70DBA9567}" type="datetimeFigureOut">
               <a:rPr lang="en-US" smtClean="0"/>
               <a:pPr/>
-              <a:t>10/15/23</a:t>
+              <a:t>10/16/23</a:t>
             </a:fld>
             <a:endParaRPr lang="en-US" dirty="0"/>
           </a:p>
@@ -10234,7 +10239,7 @@
             <a:fld id="{B61BEF0D-F0BB-DE4B-95CE-6DB70DBA9567}" type="datetimeFigureOut">
               <a:rPr lang="en-US" smtClean="0"/>
               <a:pPr/>
-              <a:t>10/15/23</a:t>
+              <a:t>10/16/23</a:t>
             </a:fld>
             <a:endParaRPr lang="en-US" dirty="0"/>
           </a:p>
@@ -11093,7 +11098,7 @@
             <a:fld id="{B61BEF0D-F0BB-DE4B-95CE-6DB70DBA9567}" type="datetimeFigureOut">
               <a:rPr lang="en-US" smtClean="0"/>
               <a:pPr/>
-              <a:t>10/15/23</a:t>
+              <a:t>10/16/23</a:t>
             </a:fld>
             <a:endParaRPr lang="en-US" dirty="0"/>
           </a:p>
@@ -11314,7 +11319,7 @@
             <a:fld id="{B61BEF0D-F0BB-DE4B-95CE-6DB70DBA9567}" type="datetimeFigureOut">
               <a:rPr lang="en-US" smtClean="0"/>
               <a:pPr/>
-              <a:t>10/15/23</a:t>
+              <a:t>10/16/23</a:t>
             </a:fld>
             <a:endParaRPr lang="en-US" dirty="0"/>
           </a:p>
@@ -12241,7 +12246,7 @@
             <a:fld id="{B61BEF0D-F0BB-DE4B-95CE-6DB70DBA9567}" type="datetimeFigureOut">
               <a:rPr lang="en-US" smtClean="0"/>
               <a:pPr/>
-              <a:t>10/15/23</a:t>
+              <a:t>10/16/23</a:t>
             </a:fld>
             <a:endParaRPr lang="en-US" dirty="0"/>
           </a:p>
@@ -12527,7 +12532,7 @@
             <a:fld id="{B61BEF0D-F0BB-DE4B-95CE-6DB70DBA9567}" type="datetimeFigureOut">
               <a:rPr lang="en-US" smtClean="0"/>
               <a:pPr/>
-              <a:t>10/15/23</a:t>
+              <a:t>10/16/23</a:t>
             </a:fld>
             <a:endParaRPr lang="en-US" dirty="0"/>
           </a:p>
@@ -12919,7 +12924,7 @@
             <a:fld id="{B61BEF0D-F0BB-DE4B-95CE-6DB70DBA9567}" type="datetimeFigureOut">
               <a:rPr lang="en-US" smtClean="0"/>
               <a:pPr/>
-              <a:t>10/15/23</a:t>
+              <a:t>10/16/23</a:t>
             </a:fld>
             <a:endParaRPr lang="en-US" dirty="0"/>
           </a:p>
@@ -13047,7 +13052,7 @@
             <a:fld id="{B61BEF0D-F0BB-DE4B-95CE-6DB70DBA9567}" type="datetimeFigureOut">
               <a:rPr lang="en-US" smtClean="0"/>
               <a:pPr/>
-              <a:t>10/15/23</a:t>
+              <a:t>10/16/23</a:t>
             </a:fld>
             <a:endParaRPr lang="en-US" dirty="0"/>
           </a:p>
@@ -13144,7 +13149,7 @@
             <a:fld id="{B61BEF0D-F0BB-DE4B-95CE-6DB70DBA9567}" type="datetimeFigureOut">
               <a:rPr lang="en-US" smtClean="0"/>
               <a:pPr/>
-              <a:t>10/15/23</a:t>
+              <a:t>10/16/23</a:t>
             </a:fld>
             <a:endParaRPr lang="en-US" dirty="0"/>
           </a:p>
@@ -14117,7 +14122,7 @@
             <a:fld id="{B61BEF0D-F0BB-DE4B-95CE-6DB70DBA9567}" type="datetimeFigureOut">
               <a:rPr lang="en-US" smtClean="0"/>
               <a:pPr/>
-              <a:t>10/15/23</a:t>
+              <a:t>10/16/23</a:t>
             </a:fld>
             <a:endParaRPr lang="en-US" dirty="0"/>
           </a:p>
@@ -15114,7 +15119,7 @@
             <a:fld id="{B61BEF0D-F0BB-DE4B-95CE-6DB70DBA9567}" type="datetimeFigureOut">
               <a:rPr lang="en-US" smtClean="0"/>
               <a:pPr/>
-              <a:t>10/15/23</a:t>
+              <a:t>10/16/23</a:t>
             </a:fld>
             <a:endParaRPr lang="en-US" dirty="0"/>
           </a:p>
@@ -16000,7 +16005,7 @@
             <a:fld id="{B61BEF0D-F0BB-DE4B-95CE-6DB70DBA9567}" type="datetimeFigureOut">
               <a:rPr lang="en-US" smtClean="0"/>
               <a:pPr/>
-              <a:t>10/15/23</a:t>
+              <a:t>10/16/23</a:t>
             </a:fld>
             <a:endParaRPr lang="en-US" dirty="0"/>
           </a:p>
@@ -18077,6 +18082,13 @@
             <a:r>
               <a:rPr lang="en-GB" dirty="0"/>
               <a:t>Not good to make sound – go to Ableton or Max</a:t>
+            </a:r>
+          </a:p>
+          <a:p>
+            <a:pPr lvl="1"/>
+            <a:r>
+              <a:rPr lang="en-GB" dirty="0"/>
+              <a:t>Good to orchestrate midis though</a:t>
             </a:r>
           </a:p>
         </p:txBody>
@@ -19283,7 +19295,7 @@
               <a:buNone/>
             </a:pPr>
             <a:r>
-              <a:rPr lang="en-US" cap="all">
+              <a:rPr lang="en-US" cap="all" dirty="0">
                 <a:solidFill>
                   <a:schemeClr val="tx2">
                     <a:lumMod val="40000"/>
@@ -19291,7 +19303,51 @@
                   </a:schemeClr>
                 </a:solidFill>
               </a:rPr>
-              <a:t>https://www.youtube.com/watch?v=AMGkNHyQ4o0&amp;list=PL3zGSOEHGdiR5x5BIg8E8yn2BQMbQ6igb</a:t>
+              <a:t>https://</a:t>
+            </a:r>
+            <a:r>
+              <a:rPr lang="en-US" cap="all" dirty="0" err="1">
+                <a:solidFill>
+                  <a:schemeClr val="tx2">
+                    <a:lumMod val="40000"/>
+                    <a:lumOff val="60000"/>
+                  </a:schemeClr>
+                </a:solidFill>
+              </a:rPr>
+              <a:t>www.youtube.com</a:t>
+            </a:r>
+            <a:r>
+              <a:rPr lang="en-US" cap="all" dirty="0">
+                <a:solidFill>
+                  <a:schemeClr val="tx2">
+                    <a:lumMod val="40000"/>
+                    <a:lumOff val="60000"/>
+                  </a:schemeClr>
+                </a:solidFill>
+              </a:rPr>
+              <a:t>/</a:t>
+            </a:r>
+            <a:r>
+              <a:rPr lang="en-US" cap="all" dirty="0" err="1">
+                <a:solidFill>
+                  <a:schemeClr val="tx2">
+                    <a:lumMod val="40000"/>
+                    <a:lumOff val="60000"/>
+                  </a:schemeClr>
+                </a:solidFill>
+              </a:rPr>
+              <a:t>watch?v</a:t>
+            </a:r>
+            <a:r>
+              <a:rPr lang="en-US" cap="all" dirty="0">
+                <a:solidFill>
+                  <a:schemeClr val="tx2">
+                    <a:lumMod val="40000"/>
+                    <a:lumOff val="60000"/>
+                  </a:schemeClr>
+                </a:solidFill>
+              </a:rPr>
+              <a:t>=AMGkNHyQ4o0&amp;list=PL3zGSOEHGdiR5x5BIg8E8yn2BQMbQ6igb</a:t>
             </a:r>
           </a:p>
         </p:txBody>
